--- a/src/main/resources/doc/화면레이아웃.pptx
+++ b/src/main/resources/doc/화면레이아웃.pptx
@@ -5,9 +5,11 @@
     <p:sldMasterId id="2147483648" r:id="rId1"/>
   </p:sldMasterIdLst>
   <p:sldIdLst>
-    <p:sldId id="256" r:id="rId2"/>
-    <p:sldId id="257" r:id="rId3"/>
-    <p:sldId id="258" r:id="rId4"/>
+    <p:sldId id="259" r:id="rId2"/>
+    <p:sldId id="260" r:id="rId3"/>
+    <p:sldId id="256" r:id="rId4"/>
+    <p:sldId id="257" r:id="rId5"/>
+    <p:sldId id="258" r:id="rId6"/>
   </p:sldIdLst>
   <p:sldSz cx="12192000" cy="6858000"/>
   <p:notesSz cx="6858000" cy="9144000"/>
@@ -106,6 +108,11 @@
       </a:defRPr>
     </a:lvl9pPr>
   </p:defaultTextStyle>
+  <p:extLst>
+    <p:ext uri="{EFAFB233-063F-42B5-8137-9DF3F51BA10A}">
+      <p15:sldGuideLst xmlns:p15="http://schemas.microsoft.com/office/powerpoint/2012/main"/>
+    </p:ext>
+  </p:extLst>
 </p:presentation>
 </file>
 
@@ -256,7 +263,7 @@
           <a:p>
             <a:fld id="{1E0C51BB-1E75-43C8-B34C-8AC07FD5B85D}" type="datetimeFigureOut">
               <a:rPr lang="ko-KR" altLang="en-US" smtClean="0"/>
-              <a:t>2022-01-04</a:t>
+              <a:t>2022-01-05</a:t>
             </a:fld>
             <a:endParaRPr lang="ko-KR" altLang="en-US"/>
           </a:p>
@@ -454,7 +461,7 @@
           <a:p>
             <a:fld id="{1E0C51BB-1E75-43C8-B34C-8AC07FD5B85D}" type="datetimeFigureOut">
               <a:rPr lang="ko-KR" altLang="en-US" smtClean="0"/>
-              <a:t>2022-01-04</a:t>
+              <a:t>2022-01-05</a:t>
             </a:fld>
             <a:endParaRPr lang="ko-KR" altLang="en-US"/>
           </a:p>
@@ -662,7 +669,7 @@
           <a:p>
             <a:fld id="{1E0C51BB-1E75-43C8-B34C-8AC07FD5B85D}" type="datetimeFigureOut">
               <a:rPr lang="ko-KR" altLang="en-US" smtClean="0"/>
-              <a:t>2022-01-04</a:t>
+              <a:t>2022-01-05</a:t>
             </a:fld>
             <a:endParaRPr lang="ko-KR" altLang="en-US"/>
           </a:p>
@@ -860,7 +867,7 @@
           <a:p>
             <a:fld id="{1E0C51BB-1E75-43C8-B34C-8AC07FD5B85D}" type="datetimeFigureOut">
               <a:rPr lang="ko-KR" altLang="en-US" smtClean="0"/>
-              <a:t>2022-01-04</a:t>
+              <a:t>2022-01-05</a:t>
             </a:fld>
             <a:endParaRPr lang="ko-KR" altLang="en-US"/>
           </a:p>
@@ -1135,7 +1142,7 @@
           <a:p>
             <a:fld id="{1E0C51BB-1E75-43C8-B34C-8AC07FD5B85D}" type="datetimeFigureOut">
               <a:rPr lang="ko-KR" altLang="en-US" smtClean="0"/>
-              <a:t>2022-01-04</a:t>
+              <a:t>2022-01-05</a:t>
             </a:fld>
             <a:endParaRPr lang="ko-KR" altLang="en-US"/>
           </a:p>
@@ -1400,7 +1407,7 @@
           <a:p>
             <a:fld id="{1E0C51BB-1E75-43C8-B34C-8AC07FD5B85D}" type="datetimeFigureOut">
               <a:rPr lang="ko-KR" altLang="en-US" smtClean="0"/>
-              <a:t>2022-01-04</a:t>
+              <a:t>2022-01-05</a:t>
             </a:fld>
             <a:endParaRPr lang="ko-KR" altLang="en-US"/>
           </a:p>
@@ -1812,7 +1819,7 @@
           <a:p>
             <a:fld id="{1E0C51BB-1E75-43C8-B34C-8AC07FD5B85D}" type="datetimeFigureOut">
               <a:rPr lang="ko-KR" altLang="en-US" smtClean="0"/>
-              <a:t>2022-01-04</a:t>
+              <a:t>2022-01-05</a:t>
             </a:fld>
             <a:endParaRPr lang="ko-KR" altLang="en-US"/>
           </a:p>
@@ -1953,7 +1960,7 @@
           <a:p>
             <a:fld id="{1E0C51BB-1E75-43C8-B34C-8AC07FD5B85D}" type="datetimeFigureOut">
               <a:rPr lang="ko-KR" altLang="en-US" smtClean="0"/>
-              <a:t>2022-01-04</a:t>
+              <a:t>2022-01-05</a:t>
             </a:fld>
             <a:endParaRPr lang="ko-KR" altLang="en-US"/>
           </a:p>
@@ -2066,7 +2073,7 @@
           <a:p>
             <a:fld id="{1E0C51BB-1E75-43C8-B34C-8AC07FD5B85D}" type="datetimeFigureOut">
               <a:rPr lang="ko-KR" altLang="en-US" smtClean="0"/>
-              <a:t>2022-01-04</a:t>
+              <a:t>2022-01-05</a:t>
             </a:fld>
             <a:endParaRPr lang="ko-KR" altLang="en-US"/>
           </a:p>
@@ -2377,7 +2384,7 @@
           <a:p>
             <a:fld id="{1E0C51BB-1E75-43C8-B34C-8AC07FD5B85D}" type="datetimeFigureOut">
               <a:rPr lang="ko-KR" altLang="en-US" smtClean="0"/>
-              <a:t>2022-01-04</a:t>
+              <a:t>2022-01-05</a:t>
             </a:fld>
             <a:endParaRPr lang="ko-KR" altLang="en-US"/>
           </a:p>
@@ -2665,7 +2672,7 @@
           <a:p>
             <a:fld id="{1E0C51BB-1E75-43C8-B34C-8AC07FD5B85D}" type="datetimeFigureOut">
               <a:rPr lang="ko-KR" altLang="en-US" smtClean="0"/>
-              <a:t>2022-01-04</a:t>
+              <a:t>2022-01-05</a:t>
             </a:fld>
             <a:endParaRPr lang="ko-KR" altLang="en-US"/>
           </a:p>
@@ -2906,7 +2913,7 @@
           <a:p>
             <a:fld id="{1E0C51BB-1E75-43C8-B34C-8AC07FD5B85D}" type="datetimeFigureOut">
               <a:rPr lang="ko-KR" altLang="en-US" smtClean="0"/>
-              <a:t>2022-01-04</a:t>
+              <a:t>2022-01-05</a:t>
             </a:fld>
             <a:endParaRPr lang="ko-KR" altLang="en-US"/>
           </a:p>
@@ -3309,17 +3316,6 @@
 <file path=ppt/slides/slide1.xml><?xml version="1.0" encoding="utf-8"?>
 <p:sld xmlns:a="http://schemas.openxmlformats.org/drawingml/2006/main" xmlns:r="http://schemas.openxmlformats.org/officeDocument/2006/relationships" xmlns:p="http://schemas.openxmlformats.org/presentationml/2006/main">
   <p:cSld>
-    <p:bg>
-      <p:bgPr>
-        <a:solidFill>
-          <a:schemeClr val="accent1">
-            <a:lumMod val="60000"/>
-            <a:lumOff val="40000"/>
-          </a:schemeClr>
-        </a:solidFill>
-        <a:effectLst/>
-      </p:bgPr>
-    </p:bg>
     <p:spTree>
       <p:nvGrpSpPr>
         <p:cNvPr id="1" name=""/>
@@ -3334,316 +3330,10 @@
           <a:chExt cx="0" cy="0"/>
         </a:xfrm>
       </p:grpSpPr>
-      <p:sp>
-        <p:nvSpPr>
-          <p:cNvPr id="4" name="직사각형 3">
-            <a:extLst>
-              <a:ext uri="{FF2B5EF4-FFF2-40B4-BE49-F238E27FC236}">
-                <a16:creationId xmlns:a16="http://schemas.microsoft.com/office/drawing/2014/main" id="{BF26157F-2295-4B45-9B5F-E5AEAA8819EA}"/>
-              </a:ext>
-            </a:extLst>
-          </p:cNvPr>
-          <p:cNvSpPr/>
-          <p:nvPr/>
-        </p:nvSpPr>
-        <p:spPr>
-          <a:xfrm>
-            <a:off x="1783644" y="451556"/>
-            <a:ext cx="8681156" cy="5926666"/>
-          </a:xfrm>
-          <a:prstGeom prst="rect">
-            <a:avLst/>
-          </a:prstGeom>
-          <a:solidFill>
-            <a:schemeClr val="bg1"/>
-          </a:solidFill>
-          <a:ln>
-            <a:noFill/>
-          </a:ln>
-        </p:spPr>
-        <p:style>
-          <a:lnRef idx="2">
-            <a:schemeClr val="accent1">
-              <a:shade val="50000"/>
-            </a:schemeClr>
-          </a:lnRef>
-          <a:fillRef idx="1">
-            <a:schemeClr val="accent1"/>
-          </a:fillRef>
-          <a:effectRef idx="0">
-            <a:schemeClr val="accent1"/>
-          </a:effectRef>
-          <a:fontRef idx="minor">
-            <a:schemeClr val="lt1"/>
-          </a:fontRef>
-        </p:style>
-        <p:txBody>
-          <a:bodyPr rtlCol="0" anchor="ctr"/>
-          <a:lstStyle/>
-          <a:p>
-            <a:pPr algn="ctr"/>
-            <a:endParaRPr lang="ko-KR" altLang="en-US"/>
-          </a:p>
-        </p:txBody>
-      </p:sp>
-      <p:sp>
-        <p:nvSpPr>
-          <p:cNvPr id="5" name="직사각형 4">
-            <a:extLst>
-              <a:ext uri="{FF2B5EF4-FFF2-40B4-BE49-F238E27FC236}">
-                <a16:creationId xmlns:a16="http://schemas.microsoft.com/office/drawing/2014/main" id="{A0E0EE00-615B-462E-B020-796617F2D280}"/>
-              </a:ext>
-            </a:extLst>
-          </p:cNvPr>
-          <p:cNvSpPr/>
-          <p:nvPr/>
-        </p:nvSpPr>
-        <p:spPr>
-          <a:xfrm>
-            <a:off x="4777563" y="1681782"/>
-            <a:ext cx="2636874" cy="3466214"/>
-          </a:xfrm>
-          <a:prstGeom prst="rect">
-            <a:avLst/>
-          </a:prstGeom>
-          <a:solidFill>
-            <a:schemeClr val="bg2">
-              <a:lumMod val="50000"/>
-            </a:schemeClr>
-          </a:solidFill>
-          <a:ln>
-            <a:noFill/>
-          </a:ln>
-        </p:spPr>
-        <p:style>
-          <a:lnRef idx="2">
-            <a:schemeClr val="accent1">
-              <a:shade val="50000"/>
-            </a:schemeClr>
-          </a:lnRef>
-          <a:fillRef idx="1">
-            <a:schemeClr val="accent1"/>
-          </a:fillRef>
-          <a:effectRef idx="0">
-            <a:schemeClr val="accent1"/>
-          </a:effectRef>
-          <a:fontRef idx="minor">
-            <a:schemeClr val="lt1"/>
-          </a:fontRef>
-        </p:style>
-        <p:txBody>
-          <a:bodyPr rtlCol="0" anchor="ctr"/>
-          <a:lstStyle/>
-          <a:p>
-            <a:pPr algn="ctr"/>
-            <a:endParaRPr lang="ko-KR" altLang="en-US"/>
-          </a:p>
-        </p:txBody>
-      </p:sp>
-      <p:sp>
-        <p:nvSpPr>
-          <p:cNvPr id="6" name="직사각형 5">
-            <a:extLst>
-              <a:ext uri="{FF2B5EF4-FFF2-40B4-BE49-F238E27FC236}">
-                <a16:creationId xmlns:a16="http://schemas.microsoft.com/office/drawing/2014/main" id="{2C62910E-1314-4359-8329-D02C4E092075}"/>
-              </a:ext>
-            </a:extLst>
-          </p:cNvPr>
-          <p:cNvSpPr/>
-          <p:nvPr/>
-        </p:nvSpPr>
-        <p:spPr>
-          <a:xfrm>
-            <a:off x="5321789" y="3173824"/>
-            <a:ext cx="1604866" cy="382555"/>
-          </a:xfrm>
-          <a:prstGeom prst="rect">
-            <a:avLst/>
-          </a:prstGeom>
-          <a:solidFill>
-            <a:schemeClr val="bg2">
-              <a:lumMod val="75000"/>
-            </a:schemeClr>
-          </a:solidFill>
-          <a:ln>
-            <a:noFill/>
-          </a:ln>
-        </p:spPr>
-        <p:style>
-          <a:lnRef idx="2">
-            <a:schemeClr val="accent1">
-              <a:shade val="50000"/>
-            </a:schemeClr>
-          </a:lnRef>
-          <a:fillRef idx="1">
-            <a:schemeClr val="accent1"/>
-          </a:fillRef>
-          <a:effectRef idx="0">
-            <a:schemeClr val="accent1"/>
-          </a:effectRef>
-          <a:fontRef idx="minor">
-            <a:schemeClr val="lt1"/>
-          </a:fontRef>
-        </p:style>
-        <p:txBody>
-          <a:bodyPr rtlCol="0" anchor="ctr"/>
-          <a:lstStyle/>
-          <a:p>
-            <a:pPr algn="ctr"/>
-            <a:endParaRPr lang="ko-KR" altLang="en-US"/>
-          </a:p>
-        </p:txBody>
-      </p:sp>
-      <p:sp>
-        <p:nvSpPr>
-          <p:cNvPr id="7" name="직사각형 6">
-            <a:extLst>
-              <a:ext uri="{FF2B5EF4-FFF2-40B4-BE49-F238E27FC236}">
-                <a16:creationId xmlns:a16="http://schemas.microsoft.com/office/drawing/2014/main" id="{DBA7BF63-E3DB-4F67-81C8-CC2FCDFE655C}"/>
-              </a:ext>
-            </a:extLst>
-          </p:cNvPr>
-          <p:cNvSpPr/>
-          <p:nvPr/>
-        </p:nvSpPr>
-        <p:spPr>
-          <a:xfrm>
-            <a:off x="5321789" y="3788936"/>
-            <a:ext cx="1604866" cy="382555"/>
-          </a:xfrm>
-          <a:prstGeom prst="rect">
-            <a:avLst/>
-          </a:prstGeom>
-          <a:solidFill>
-            <a:schemeClr val="bg2">
-              <a:lumMod val="75000"/>
-            </a:schemeClr>
-          </a:solidFill>
-          <a:ln>
-            <a:noFill/>
-          </a:ln>
-        </p:spPr>
-        <p:style>
-          <a:lnRef idx="2">
-            <a:schemeClr val="accent1">
-              <a:shade val="50000"/>
-            </a:schemeClr>
-          </a:lnRef>
-          <a:fillRef idx="1">
-            <a:schemeClr val="accent1"/>
-          </a:fillRef>
-          <a:effectRef idx="0">
-            <a:schemeClr val="accent1"/>
-          </a:effectRef>
-          <a:fontRef idx="minor">
-            <a:schemeClr val="lt1"/>
-          </a:fontRef>
-        </p:style>
-        <p:txBody>
-          <a:bodyPr rtlCol="0" anchor="ctr"/>
-          <a:lstStyle/>
-          <a:p>
-            <a:pPr algn="ctr"/>
-            <a:endParaRPr lang="ko-KR" altLang="en-US"/>
-          </a:p>
-        </p:txBody>
-      </p:sp>
-      <p:sp>
-        <p:nvSpPr>
-          <p:cNvPr id="8" name="TextBox 7">
-            <a:extLst>
-              <a:ext uri="{FF2B5EF4-FFF2-40B4-BE49-F238E27FC236}">
-                <a16:creationId xmlns:a16="http://schemas.microsoft.com/office/drawing/2014/main" id="{562BD3BD-6D37-40B6-84E0-9BBD8CE10229}"/>
-              </a:ext>
-            </a:extLst>
-          </p:cNvPr>
-          <p:cNvSpPr txBox="1"/>
-          <p:nvPr/>
-        </p:nvSpPr>
-        <p:spPr>
-          <a:xfrm>
-            <a:off x="5550389" y="1984879"/>
-            <a:ext cx="1147665" cy="382555"/>
-          </a:xfrm>
-          <a:prstGeom prst="rect">
-            <a:avLst/>
-          </a:prstGeom>
-          <a:noFill/>
-        </p:spPr>
-        <p:txBody>
-          <a:bodyPr wrap="square" rtlCol="0">
-            <a:spAutoFit/>
-          </a:bodyPr>
-          <a:lstStyle/>
-          <a:p>
-            <a:pPr algn="ctr"/>
-            <a:r>
-              <a:rPr lang="ko-KR" altLang="en-US" dirty="0">
-                <a:solidFill>
-                  <a:schemeClr val="bg1"/>
-                </a:solidFill>
-              </a:rPr>
-              <a:t>로그인</a:t>
-            </a:r>
-          </a:p>
-        </p:txBody>
-      </p:sp>
-      <p:sp>
-        <p:nvSpPr>
-          <p:cNvPr id="9" name="직사각형 8">
-            <a:extLst>
-              <a:ext uri="{FF2B5EF4-FFF2-40B4-BE49-F238E27FC236}">
-                <a16:creationId xmlns:a16="http://schemas.microsoft.com/office/drawing/2014/main" id="{FB5BEE14-89EA-45A5-B069-50E412C55102}"/>
-              </a:ext>
-            </a:extLst>
-          </p:cNvPr>
-          <p:cNvSpPr/>
-          <p:nvPr/>
-        </p:nvSpPr>
-        <p:spPr>
-          <a:xfrm>
-            <a:off x="5774324" y="4330874"/>
-            <a:ext cx="699796" cy="146347"/>
-          </a:xfrm>
-          <a:prstGeom prst="rect">
-            <a:avLst/>
-          </a:prstGeom>
-          <a:solidFill>
-            <a:schemeClr val="bg2"/>
-          </a:solidFill>
-          <a:ln>
-            <a:noFill/>
-          </a:ln>
-        </p:spPr>
-        <p:style>
-          <a:lnRef idx="2">
-            <a:schemeClr val="accent1">
-              <a:shade val="50000"/>
-            </a:schemeClr>
-          </a:lnRef>
-          <a:fillRef idx="1">
-            <a:schemeClr val="accent1"/>
-          </a:fillRef>
-          <a:effectRef idx="0">
-            <a:schemeClr val="accent1"/>
-          </a:effectRef>
-          <a:fontRef idx="minor">
-            <a:schemeClr val="lt1"/>
-          </a:fontRef>
-        </p:style>
-        <p:txBody>
-          <a:bodyPr rtlCol="0" anchor="ctr"/>
-          <a:lstStyle/>
-          <a:p>
-            <a:pPr algn="ctr"/>
-            <a:endParaRPr lang="ko-KR" altLang="en-US"/>
-          </a:p>
-        </p:txBody>
-      </p:sp>
     </p:spTree>
     <p:extLst>
       <p:ext uri="{BB962C8B-B14F-4D97-AF65-F5344CB8AC3E}">
-        <p14:creationId xmlns:p14="http://schemas.microsoft.com/office/powerpoint/2010/main" val="3389016771"/>
+        <p14:creationId xmlns:p14="http://schemas.microsoft.com/office/powerpoint/2010/main" val="369043573"/>
       </p:ext>
     </p:extLst>
   </p:cSld>
@@ -3656,17 +3346,6 @@
 <file path=ppt/slides/slide2.xml><?xml version="1.0" encoding="utf-8"?>
 <p:sld xmlns:a="http://schemas.openxmlformats.org/drawingml/2006/main" xmlns:r="http://schemas.openxmlformats.org/officeDocument/2006/relationships" xmlns:p="http://schemas.openxmlformats.org/presentationml/2006/main">
   <p:cSld>
-    <p:bg>
-      <p:bgPr>
-        <a:solidFill>
-          <a:schemeClr val="accent1">
-            <a:lumMod val="60000"/>
-            <a:lumOff val="40000"/>
-          </a:schemeClr>
-        </a:solidFill>
-        <a:effectLst/>
-      </p:bgPr>
-    </p:bg>
     <p:spTree>
       <p:nvGrpSpPr>
         <p:cNvPr id="1" name=""/>
@@ -3683,326 +3362,143 @@
       </p:grpSpPr>
       <p:sp>
         <p:nvSpPr>
-          <p:cNvPr id="4" name="직사각형 3">
-            <a:extLst>
-              <a:ext uri="{FF2B5EF4-FFF2-40B4-BE49-F238E27FC236}">
-                <a16:creationId xmlns:a16="http://schemas.microsoft.com/office/drawing/2014/main" id="{BF26157F-2295-4B45-9B5F-E5AEAA8819EA}"/>
-              </a:ext>
-            </a:extLst>
-          </p:cNvPr>
-          <p:cNvSpPr/>
+          <p:cNvPr id="2" name="제목 1">
+            <a:extLst>
+              <a:ext uri="{FF2B5EF4-FFF2-40B4-BE49-F238E27FC236}">
+                <a16:creationId xmlns:a16="http://schemas.microsoft.com/office/drawing/2014/main" id="{5F80A06F-6957-478C-A18C-1E61D4F6CB77}"/>
+              </a:ext>
+            </a:extLst>
+          </p:cNvPr>
+          <p:cNvSpPr>
+            <a:spLocks noGrp="1"/>
+          </p:cNvSpPr>
+          <p:nvPr>
+            <p:ph type="title"/>
+          </p:nvPr>
+        </p:nvSpPr>
+        <p:spPr/>
+        <p:txBody>
+          <a:bodyPr/>
+          <a:lstStyle/>
+          <a:p>
+            <a:r>
+              <a:rPr lang="en-US" altLang="ko-KR" dirty="0"/>
+              <a:t>Semantic Tags</a:t>
+            </a:r>
+            <a:endParaRPr lang="ko-KR" altLang="en-US" dirty="0"/>
+          </a:p>
+        </p:txBody>
+      </p:sp>
+      <p:pic>
+        <p:nvPicPr>
+          <p:cNvPr id="3" name="그림 2">
+            <a:extLst>
+              <a:ext uri="{FF2B5EF4-FFF2-40B4-BE49-F238E27FC236}">
+                <a16:creationId xmlns:a16="http://schemas.microsoft.com/office/drawing/2014/main" id="{183632E0-7E6C-4ED1-8468-A5D737FC05D2}"/>
+              </a:ext>
+            </a:extLst>
+          </p:cNvPr>
+          <p:cNvPicPr>
+            <a:picLocks noChangeAspect="1"/>
+          </p:cNvPicPr>
           <p:nvPr/>
-        </p:nvSpPr>
+        </p:nvPicPr>
+        <p:blipFill>
+          <a:blip r:embed="rId2"/>
+          <a:stretch>
+            <a:fillRect/>
+          </a:stretch>
+        </p:blipFill>
         <p:spPr>
           <a:xfrm>
-            <a:off x="1783644" y="451556"/>
-            <a:ext cx="8681156" cy="5926666"/>
+            <a:off x="917316" y="2263496"/>
+            <a:ext cx="4124325" cy="3438525"/>
           </a:xfrm>
           <a:prstGeom prst="rect">
             <a:avLst/>
           </a:prstGeom>
-          <a:solidFill>
-            <a:schemeClr val="bg1"/>
-          </a:solidFill>
-          <a:ln>
-            <a:noFill/>
-          </a:ln>
         </p:spPr>
-        <p:style>
-          <a:lnRef idx="2">
-            <a:schemeClr val="accent1">
-              <a:shade val="50000"/>
-            </a:schemeClr>
-          </a:lnRef>
-          <a:fillRef idx="1">
-            <a:schemeClr val="accent1"/>
-          </a:fillRef>
-          <a:effectRef idx="0">
-            <a:schemeClr val="accent1"/>
-          </a:effectRef>
-          <a:fontRef idx="minor">
-            <a:schemeClr val="lt1"/>
-          </a:fontRef>
-        </p:style>
-        <p:txBody>
-          <a:bodyPr rtlCol="0" anchor="ctr"/>
-          <a:lstStyle/>
-          <a:p>
-            <a:pPr algn="ctr"/>
-            <a:endParaRPr lang="ko-KR" altLang="en-US"/>
-          </a:p>
-        </p:txBody>
-      </p:sp>
-      <p:sp>
-        <p:nvSpPr>
-          <p:cNvPr id="5" name="직사각형 4">
-            <a:extLst>
-              <a:ext uri="{FF2B5EF4-FFF2-40B4-BE49-F238E27FC236}">
-                <a16:creationId xmlns:a16="http://schemas.microsoft.com/office/drawing/2014/main" id="{A0E0EE00-615B-462E-B020-796617F2D280}"/>
-              </a:ext>
-            </a:extLst>
-          </p:cNvPr>
-          <p:cNvSpPr/>
+      </p:pic>
+      <p:pic>
+        <p:nvPicPr>
+          <p:cNvPr id="5" name="그림 4">
+            <a:extLst>
+              <a:ext uri="{FF2B5EF4-FFF2-40B4-BE49-F238E27FC236}">
+                <a16:creationId xmlns:a16="http://schemas.microsoft.com/office/drawing/2014/main" id="{B0081E96-4FEE-44A4-B82D-26F9CFDC4DC1}"/>
+              </a:ext>
+            </a:extLst>
+          </p:cNvPr>
+          <p:cNvPicPr>
+            <a:picLocks noChangeAspect="1"/>
+          </p:cNvPicPr>
           <p:nvPr/>
-        </p:nvSpPr>
+        </p:nvPicPr>
+        <p:blipFill>
+          <a:blip r:embed="rId3"/>
+          <a:stretch>
+            <a:fillRect/>
+          </a:stretch>
+        </p:blipFill>
         <p:spPr>
           <a:xfrm>
-            <a:off x="3510269" y="1559627"/>
-            <a:ext cx="5171460" cy="3610947"/>
+            <a:off x="5369962" y="2263496"/>
+            <a:ext cx="6229350" cy="1447800"/>
           </a:xfrm>
           <a:prstGeom prst="rect">
             <a:avLst/>
           </a:prstGeom>
-          <a:solidFill>
-            <a:schemeClr val="bg2">
-              <a:lumMod val="50000"/>
-            </a:schemeClr>
-          </a:solidFill>
-          <a:ln>
-            <a:noFill/>
-          </a:ln>
         </p:spPr>
-        <p:style>
-          <a:lnRef idx="2">
-            <a:schemeClr val="accent1">
-              <a:shade val="50000"/>
-            </a:schemeClr>
-          </a:lnRef>
-          <a:fillRef idx="1">
-            <a:schemeClr val="accent1"/>
-          </a:fillRef>
-          <a:effectRef idx="0">
-            <a:schemeClr val="accent1"/>
-          </a:effectRef>
-          <a:fontRef idx="minor">
-            <a:schemeClr val="lt1"/>
-          </a:fontRef>
-        </p:style>
-        <p:txBody>
-          <a:bodyPr rtlCol="0" anchor="ctr"/>
-          <a:lstStyle/>
-          <a:p>
-            <a:pPr algn="ctr"/>
-            <a:endParaRPr lang="ko-KR" altLang="en-US"/>
-          </a:p>
-        </p:txBody>
-      </p:sp>
-      <p:sp>
-        <p:nvSpPr>
-          <p:cNvPr id="6" name="직사각형 5">
-            <a:extLst>
-              <a:ext uri="{FF2B5EF4-FFF2-40B4-BE49-F238E27FC236}">
-                <a16:creationId xmlns:a16="http://schemas.microsoft.com/office/drawing/2014/main" id="{2C62910E-1314-4359-8329-D02C4E092075}"/>
-              </a:ext>
-            </a:extLst>
-          </p:cNvPr>
-          <p:cNvSpPr/>
+      </p:pic>
+      <p:sp>
+        <p:nvSpPr>
+          <p:cNvPr id="6" name="TextBox 5">
+            <a:extLst>
+              <a:ext uri="{FF2B5EF4-FFF2-40B4-BE49-F238E27FC236}">
+                <a16:creationId xmlns:a16="http://schemas.microsoft.com/office/drawing/2014/main" id="{066AFBF5-8EEE-4781-B345-1BF56C614BB8}"/>
+              </a:ext>
+            </a:extLst>
+          </p:cNvPr>
+          <p:cNvSpPr txBox="1"/>
           <p:nvPr/>
         </p:nvSpPr>
         <p:spPr>
           <a:xfrm>
-            <a:off x="5321789" y="3237722"/>
-            <a:ext cx="1604866" cy="382555"/>
+            <a:off x="5514392" y="4068147"/>
+            <a:ext cx="3400290" cy="369332"/>
           </a:xfrm>
           <a:prstGeom prst="rect">
             <a:avLst/>
           </a:prstGeom>
-          <a:solidFill>
-            <a:schemeClr val="bg2">
-              <a:lumMod val="75000"/>
-            </a:schemeClr>
-          </a:solidFill>
-          <a:ln>
-            <a:noFill/>
-          </a:ln>
+          <a:noFill/>
         </p:spPr>
-        <p:style>
-          <a:lnRef idx="2">
-            <a:schemeClr val="accent1">
-              <a:shade val="50000"/>
-            </a:schemeClr>
-          </a:lnRef>
-          <a:fillRef idx="1">
-            <a:schemeClr val="accent1"/>
-          </a:fillRef>
-          <a:effectRef idx="0">
-            <a:schemeClr val="accent1"/>
-          </a:effectRef>
-          <a:fontRef idx="minor">
-            <a:schemeClr val="lt1"/>
-          </a:fontRef>
-        </p:style>
-        <p:txBody>
-          <a:bodyPr rtlCol="0" anchor="ctr"/>
-          <a:lstStyle/>
-          <a:p>
-            <a:pPr algn="ctr"/>
-            <a:endParaRPr lang="ko-KR" altLang="en-US"/>
-          </a:p>
-        </p:txBody>
-      </p:sp>
-      <p:sp>
-        <p:nvSpPr>
-          <p:cNvPr id="7" name="직사각형 6">
-            <a:extLst>
-              <a:ext uri="{FF2B5EF4-FFF2-40B4-BE49-F238E27FC236}">
-                <a16:creationId xmlns:a16="http://schemas.microsoft.com/office/drawing/2014/main" id="{DBA7BF63-E3DB-4F67-81C8-CC2FCDFE655C}"/>
-              </a:ext>
-            </a:extLst>
-          </p:cNvPr>
-          <p:cNvSpPr/>
-          <p:nvPr/>
-        </p:nvSpPr>
-        <p:spPr>
-          <a:xfrm>
-            <a:off x="7632441" y="1027782"/>
-            <a:ext cx="1049288" cy="382555"/>
-          </a:xfrm>
-          <a:prstGeom prst="rect">
-            <a:avLst/>
-          </a:prstGeom>
-          <a:solidFill>
-            <a:schemeClr val="bg2">
-              <a:lumMod val="75000"/>
-            </a:schemeClr>
-          </a:solidFill>
-          <a:ln>
-            <a:noFill/>
-          </a:ln>
-        </p:spPr>
-        <p:style>
-          <a:lnRef idx="2">
-            <a:schemeClr val="accent1">
-              <a:shade val="50000"/>
-            </a:schemeClr>
-          </a:lnRef>
-          <a:fillRef idx="1">
-            <a:schemeClr val="accent1"/>
-          </a:fillRef>
-          <a:effectRef idx="0">
-            <a:schemeClr val="accent1"/>
-          </a:effectRef>
-          <a:fontRef idx="minor">
-            <a:schemeClr val="lt1"/>
-          </a:fontRef>
-        </p:style>
-        <p:txBody>
-          <a:bodyPr rtlCol="0" anchor="ctr"/>
-          <a:lstStyle/>
-          <a:p>
-            <a:pPr algn="ctr"/>
-            <a:endParaRPr lang="ko-KR" altLang="en-US"/>
-          </a:p>
-        </p:txBody>
-      </p:sp>
-      <p:sp>
-        <p:nvSpPr>
-          <p:cNvPr id="9" name="직사각형 8">
-            <a:extLst>
-              <a:ext uri="{FF2B5EF4-FFF2-40B4-BE49-F238E27FC236}">
-                <a16:creationId xmlns:a16="http://schemas.microsoft.com/office/drawing/2014/main" id="{FB5BEE14-89EA-45A5-B069-50E412C55102}"/>
-              </a:ext>
-            </a:extLst>
-          </p:cNvPr>
-          <p:cNvSpPr/>
-          <p:nvPr/>
-        </p:nvSpPr>
-        <p:spPr>
-          <a:xfrm>
-            <a:off x="10915492" y="4536147"/>
-            <a:ext cx="699796" cy="146347"/>
-          </a:xfrm>
-          <a:prstGeom prst="rect">
-            <a:avLst/>
-          </a:prstGeom>
-          <a:solidFill>
-            <a:schemeClr val="bg2"/>
-          </a:solidFill>
-          <a:ln>
-            <a:noFill/>
-          </a:ln>
-        </p:spPr>
-        <p:style>
-          <a:lnRef idx="2">
-            <a:schemeClr val="accent1">
-              <a:shade val="50000"/>
-            </a:schemeClr>
-          </a:lnRef>
-          <a:fillRef idx="1">
-            <a:schemeClr val="accent1"/>
-          </a:fillRef>
-          <a:effectRef idx="0">
-            <a:schemeClr val="accent1"/>
-          </a:effectRef>
-          <a:fontRef idx="minor">
-            <a:schemeClr val="lt1"/>
-          </a:fontRef>
-        </p:style>
-        <p:txBody>
-          <a:bodyPr rtlCol="0" anchor="ctr"/>
-          <a:lstStyle/>
-          <a:p>
-            <a:pPr algn="ctr"/>
-            <a:endParaRPr lang="ko-KR" altLang="en-US"/>
-          </a:p>
-        </p:txBody>
-      </p:sp>
-      <p:sp>
-        <p:nvSpPr>
-          <p:cNvPr id="2" name="타원 1">
-            <a:extLst>
-              <a:ext uri="{FF2B5EF4-FFF2-40B4-BE49-F238E27FC236}">
-                <a16:creationId xmlns:a16="http://schemas.microsoft.com/office/drawing/2014/main" id="{60A1EC28-17E7-4BC6-802E-88E4B4F3FA0A}"/>
-              </a:ext>
-            </a:extLst>
-          </p:cNvPr>
-          <p:cNvSpPr/>
-          <p:nvPr/>
-        </p:nvSpPr>
-        <p:spPr>
-          <a:xfrm>
-            <a:off x="7181749" y="1027782"/>
-            <a:ext cx="382555" cy="382555"/>
-          </a:xfrm>
-          <a:prstGeom prst="ellipse">
-            <a:avLst/>
-          </a:prstGeom>
-          <a:solidFill>
-            <a:schemeClr val="bg2"/>
-          </a:solidFill>
-          <a:ln>
-            <a:noFill/>
-          </a:ln>
-        </p:spPr>
-        <p:style>
-          <a:lnRef idx="2">
-            <a:schemeClr val="accent1">
-              <a:shade val="50000"/>
-            </a:schemeClr>
-          </a:lnRef>
-          <a:fillRef idx="1">
-            <a:schemeClr val="accent1"/>
-          </a:fillRef>
-          <a:effectRef idx="0">
-            <a:schemeClr val="accent1"/>
-          </a:effectRef>
-          <a:fontRef idx="minor">
-            <a:schemeClr val="lt1"/>
-          </a:fontRef>
-        </p:style>
-        <p:txBody>
-          <a:bodyPr rtlCol="0" anchor="ctr"/>
-          <a:lstStyle/>
-          <a:p>
-            <a:pPr algn="ctr"/>
-            <a:endParaRPr lang="ko-KR" altLang="en-US"/>
+        <p:txBody>
+          <a:bodyPr wrap="none" rtlCol="0">
+            <a:spAutoFit/>
+          </a:bodyPr>
+          <a:lstStyle/>
+          <a:p>
+            <a:r>
+              <a:rPr lang="ko-KR" altLang="en-US" dirty="0"/>
+              <a:t>참고링크 </a:t>
+            </a:r>
+            <a:r>
+              <a:rPr lang="en-US" altLang="ko-KR" dirty="0"/>
+              <a:t>: </a:t>
+            </a:r>
+            <a:r>
+              <a:rPr lang="ko-KR" altLang="en-US" dirty="0">
+                <a:hlinkClick r:id="rId4"/>
+              </a:rPr>
+              <a:t>시맨틱태그사용방법</a:t>
+            </a:r>
+            <a:endParaRPr lang="ko-KR" altLang="en-US" dirty="0"/>
           </a:p>
         </p:txBody>
       </p:sp>
     </p:spTree>
     <p:extLst>
       <p:ext uri="{BB962C8B-B14F-4D97-AF65-F5344CB8AC3E}">
-        <p14:creationId xmlns:p14="http://schemas.microsoft.com/office/powerpoint/2010/main" val="513407319"/>
+        <p14:creationId xmlns:p14="http://schemas.microsoft.com/office/powerpoint/2010/main" val="280812361"/>
       </p:ext>
     </p:extLst>
   </p:cSld>
@@ -4106,6 +3602,768 @@
         </p:nvSpPr>
         <p:spPr>
           <a:xfrm>
+            <a:off x="4777563" y="1681782"/>
+            <a:ext cx="2636874" cy="3466214"/>
+          </a:xfrm>
+          <a:prstGeom prst="rect">
+            <a:avLst/>
+          </a:prstGeom>
+          <a:solidFill>
+            <a:schemeClr val="bg2">
+              <a:lumMod val="50000"/>
+            </a:schemeClr>
+          </a:solidFill>
+          <a:ln>
+            <a:noFill/>
+          </a:ln>
+        </p:spPr>
+        <p:style>
+          <a:lnRef idx="2">
+            <a:schemeClr val="accent1">
+              <a:shade val="50000"/>
+            </a:schemeClr>
+          </a:lnRef>
+          <a:fillRef idx="1">
+            <a:schemeClr val="accent1"/>
+          </a:fillRef>
+          <a:effectRef idx="0">
+            <a:schemeClr val="accent1"/>
+          </a:effectRef>
+          <a:fontRef idx="minor">
+            <a:schemeClr val="lt1"/>
+          </a:fontRef>
+        </p:style>
+        <p:txBody>
+          <a:bodyPr rtlCol="0" anchor="ctr"/>
+          <a:lstStyle/>
+          <a:p>
+            <a:pPr algn="ctr"/>
+            <a:endParaRPr lang="ko-KR" altLang="en-US"/>
+          </a:p>
+        </p:txBody>
+      </p:sp>
+      <p:sp>
+        <p:nvSpPr>
+          <p:cNvPr id="6" name="직사각형 5">
+            <a:extLst>
+              <a:ext uri="{FF2B5EF4-FFF2-40B4-BE49-F238E27FC236}">
+                <a16:creationId xmlns:a16="http://schemas.microsoft.com/office/drawing/2014/main" id="{2C62910E-1314-4359-8329-D02C4E092075}"/>
+              </a:ext>
+            </a:extLst>
+          </p:cNvPr>
+          <p:cNvSpPr/>
+          <p:nvPr/>
+        </p:nvSpPr>
+        <p:spPr>
+          <a:xfrm>
+            <a:off x="5321789" y="3173824"/>
+            <a:ext cx="1604866" cy="382555"/>
+          </a:xfrm>
+          <a:prstGeom prst="rect">
+            <a:avLst/>
+          </a:prstGeom>
+          <a:solidFill>
+            <a:schemeClr val="bg2">
+              <a:lumMod val="75000"/>
+            </a:schemeClr>
+          </a:solidFill>
+          <a:ln>
+            <a:noFill/>
+          </a:ln>
+        </p:spPr>
+        <p:style>
+          <a:lnRef idx="2">
+            <a:schemeClr val="accent1">
+              <a:shade val="50000"/>
+            </a:schemeClr>
+          </a:lnRef>
+          <a:fillRef idx="1">
+            <a:schemeClr val="accent1"/>
+          </a:fillRef>
+          <a:effectRef idx="0">
+            <a:schemeClr val="accent1"/>
+          </a:effectRef>
+          <a:fontRef idx="minor">
+            <a:schemeClr val="lt1"/>
+          </a:fontRef>
+        </p:style>
+        <p:txBody>
+          <a:bodyPr rtlCol="0" anchor="ctr"/>
+          <a:lstStyle/>
+          <a:p>
+            <a:pPr algn="ctr"/>
+            <a:endParaRPr lang="ko-KR" altLang="en-US"/>
+          </a:p>
+        </p:txBody>
+      </p:sp>
+      <p:sp>
+        <p:nvSpPr>
+          <p:cNvPr id="7" name="직사각형 6">
+            <a:extLst>
+              <a:ext uri="{FF2B5EF4-FFF2-40B4-BE49-F238E27FC236}">
+                <a16:creationId xmlns:a16="http://schemas.microsoft.com/office/drawing/2014/main" id="{DBA7BF63-E3DB-4F67-81C8-CC2FCDFE655C}"/>
+              </a:ext>
+            </a:extLst>
+          </p:cNvPr>
+          <p:cNvSpPr/>
+          <p:nvPr/>
+        </p:nvSpPr>
+        <p:spPr>
+          <a:xfrm>
+            <a:off x="5321789" y="3788936"/>
+            <a:ext cx="1604866" cy="382555"/>
+          </a:xfrm>
+          <a:prstGeom prst="rect">
+            <a:avLst/>
+          </a:prstGeom>
+          <a:solidFill>
+            <a:schemeClr val="bg2">
+              <a:lumMod val="75000"/>
+            </a:schemeClr>
+          </a:solidFill>
+          <a:ln>
+            <a:noFill/>
+          </a:ln>
+        </p:spPr>
+        <p:style>
+          <a:lnRef idx="2">
+            <a:schemeClr val="accent1">
+              <a:shade val="50000"/>
+            </a:schemeClr>
+          </a:lnRef>
+          <a:fillRef idx="1">
+            <a:schemeClr val="accent1"/>
+          </a:fillRef>
+          <a:effectRef idx="0">
+            <a:schemeClr val="accent1"/>
+          </a:effectRef>
+          <a:fontRef idx="minor">
+            <a:schemeClr val="lt1"/>
+          </a:fontRef>
+        </p:style>
+        <p:txBody>
+          <a:bodyPr rtlCol="0" anchor="ctr"/>
+          <a:lstStyle/>
+          <a:p>
+            <a:pPr algn="ctr"/>
+            <a:endParaRPr lang="ko-KR" altLang="en-US"/>
+          </a:p>
+        </p:txBody>
+      </p:sp>
+      <p:sp>
+        <p:nvSpPr>
+          <p:cNvPr id="8" name="TextBox 7">
+            <a:extLst>
+              <a:ext uri="{FF2B5EF4-FFF2-40B4-BE49-F238E27FC236}">
+                <a16:creationId xmlns:a16="http://schemas.microsoft.com/office/drawing/2014/main" id="{562BD3BD-6D37-40B6-84E0-9BBD8CE10229}"/>
+              </a:ext>
+            </a:extLst>
+          </p:cNvPr>
+          <p:cNvSpPr txBox="1"/>
+          <p:nvPr/>
+        </p:nvSpPr>
+        <p:spPr>
+          <a:xfrm>
+            <a:off x="5550389" y="1984879"/>
+            <a:ext cx="1147665" cy="382555"/>
+          </a:xfrm>
+          <a:prstGeom prst="rect">
+            <a:avLst/>
+          </a:prstGeom>
+          <a:noFill/>
+        </p:spPr>
+        <p:txBody>
+          <a:bodyPr wrap="square" rtlCol="0">
+            <a:spAutoFit/>
+          </a:bodyPr>
+          <a:lstStyle/>
+          <a:p>
+            <a:pPr algn="ctr"/>
+            <a:r>
+              <a:rPr lang="ko-KR" altLang="en-US" dirty="0">
+                <a:solidFill>
+                  <a:schemeClr val="bg1"/>
+                </a:solidFill>
+              </a:rPr>
+              <a:t>로그인</a:t>
+            </a:r>
+          </a:p>
+        </p:txBody>
+      </p:sp>
+      <p:sp>
+        <p:nvSpPr>
+          <p:cNvPr id="9" name="직사각형 8">
+            <a:extLst>
+              <a:ext uri="{FF2B5EF4-FFF2-40B4-BE49-F238E27FC236}">
+                <a16:creationId xmlns:a16="http://schemas.microsoft.com/office/drawing/2014/main" id="{FB5BEE14-89EA-45A5-B069-50E412C55102}"/>
+              </a:ext>
+            </a:extLst>
+          </p:cNvPr>
+          <p:cNvSpPr/>
+          <p:nvPr/>
+        </p:nvSpPr>
+        <p:spPr>
+          <a:xfrm>
+            <a:off x="5774324" y="4330874"/>
+            <a:ext cx="699796" cy="146347"/>
+          </a:xfrm>
+          <a:prstGeom prst="rect">
+            <a:avLst/>
+          </a:prstGeom>
+          <a:solidFill>
+            <a:schemeClr val="bg2"/>
+          </a:solidFill>
+          <a:ln>
+            <a:noFill/>
+          </a:ln>
+        </p:spPr>
+        <p:style>
+          <a:lnRef idx="2">
+            <a:schemeClr val="accent1">
+              <a:shade val="50000"/>
+            </a:schemeClr>
+          </a:lnRef>
+          <a:fillRef idx="1">
+            <a:schemeClr val="accent1"/>
+          </a:fillRef>
+          <a:effectRef idx="0">
+            <a:schemeClr val="accent1"/>
+          </a:effectRef>
+          <a:fontRef idx="minor">
+            <a:schemeClr val="lt1"/>
+          </a:fontRef>
+        </p:style>
+        <p:txBody>
+          <a:bodyPr rtlCol="0" anchor="ctr"/>
+          <a:lstStyle/>
+          <a:p>
+            <a:pPr algn="ctr"/>
+            <a:endParaRPr lang="ko-KR" altLang="en-US"/>
+          </a:p>
+        </p:txBody>
+      </p:sp>
+    </p:spTree>
+    <p:extLst>
+      <p:ext uri="{BB962C8B-B14F-4D97-AF65-F5344CB8AC3E}">
+        <p14:creationId xmlns:p14="http://schemas.microsoft.com/office/powerpoint/2010/main" val="3389016771"/>
+      </p:ext>
+    </p:extLst>
+  </p:cSld>
+  <p:clrMapOvr>
+    <a:masterClrMapping/>
+  </p:clrMapOvr>
+</p:sld>
+</file>
+
+<file path=ppt/slides/slide4.xml><?xml version="1.0" encoding="utf-8"?>
+<p:sld xmlns:a="http://schemas.openxmlformats.org/drawingml/2006/main" xmlns:r="http://schemas.openxmlformats.org/officeDocument/2006/relationships" xmlns:p="http://schemas.openxmlformats.org/presentationml/2006/main">
+  <p:cSld>
+    <p:bg>
+      <p:bgPr>
+        <a:solidFill>
+          <a:schemeClr val="accent1">
+            <a:lumMod val="60000"/>
+            <a:lumOff val="40000"/>
+          </a:schemeClr>
+        </a:solidFill>
+        <a:effectLst/>
+      </p:bgPr>
+    </p:bg>
+    <p:spTree>
+      <p:nvGrpSpPr>
+        <p:cNvPr id="1" name=""/>
+        <p:cNvGrpSpPr/>
+        <p:nvPr/>
+      </p:nvGrpSpPr>
+      <p:grpSpPr>
+        <a:xfrm>
+          <a:off x="0" y="0"/>
+          <a:ext cx="0" cy="0"/>
+          <a:chOff x="0" y="0"/>
+          <a:chExt cx="0" cy="0"/>
+        </a:xfrm>
+      </p:grpSpPr>
+      <p:sp>
+        <p:nvSpPr>
+          <p:cNvPr id="4" name="직사각형 3">
+            <a:extLst>
+              <a:ext uri="{FF2B5EF4-FFF2-40B4-BE49-F238E27FC236}">
+                <a16:creationId xmlns:a16="http://schemas.microsoft.com/office/drawing/2014/main" id="{BF26157F-2295-4B45-9B5F-E5AEAA8819EA}"/>
+              </a:ext>
+            </a:extLst>
+          </p:cNvPr>
+          <p:cNvSpPr/>
+          <p:nvPr/>
+        </p:nvSpPr>
+        <p:spPr>
+          <a:xfrm>
+            <a:off x="1783644" y="451556"/>
+            <a:ext cx="8681156" cy="5926666"/>
+          </a:xfrm>
+          <a:prstGeom prst="rect">
+            <a:avLst/>
+          </a:prstGeom>
+          <a:solidFill>
+            <a:schemeClr val="bg1"/>
+          </a:solidFill>
+          <a:ln>
+            <a:noFill/>
+          </a:ln>
+        </p:spPr>
+        <p:style>
+          <a:lnRef idx="2">
+            <a:schemeClr val="accent1">
+              <a:shade val="50000"/>
+            </a:schemeClr>
+          </a:lnRef>
+          <a:fillRef idx="1">
+            <a:schemeClr val="accent1"/>
+          </a:fillRef>
+          <a:effectRef idx="0">
+            <a:schemeClr val="accent1"/>
+          </a:effectRef>
+          <a:fontRef idx="minor">
+            <a:schemeClr val="lt1"/>
+          </a:fontRef>
+        </p:style>
+        <p:txBody>
+          <a:bodyPr rtlCol="0" anchor="ctr"/>
+          <a:lstStyle/>
+          <a:p>
+            <a:pPr algn="ctr"/>
+            <a:endParaRPr lang="ko-KR" altLang="en-US"/>
+          </a:p>
+        </p:txBody>
+      </p:sp>
+      <p:sp>
+        <p:nvSpPr>
+          <p:cNvPr id="5" name="직사각형 4">
+            <a:extLst>
+              <a:ext uri="{FF2B5EF4-FFF2-40B4-BE49-F238E27FC236}">
+                <a16:creationId xmlns:a16="http://schemas.microsoft.com/office/drawing/2014/main" id="{A0E0EE00-615B-462E-B020-796617F2D280}"/>
+              </a:ext>
+            </a:extLst>
+          </p:cNvPr>
+          <p:cNvSpPr/>
+          <p:nvPr/>
+        </p:nvSpPr>
+        <p:spPr>
+          <a:xfrm>
+            <a:off x="3510270" y="1970688"/>
+            <a:ext cx="5171460" cy="3610947"/>
+          </a:xfrm>
+          <a:prstGeom prst="rect">
+            <a:avLst/>
+          </a:prstGeom>
+          <a:solidFill>
+            <a:schemeClr val="bg2">
+              <a:lumMod val="50000"/>
+            </a:schemeClr>
+          </a:solidFill>
+          <a:ln>
+            <a:noFill/>
+          </a:ln>
+        </p:spPr>
+        <p:style>
+          <a:lnRef idx="2">
+            <a:schemeClr val="accent1">
+              <a:shade val="50000"/>
+            </a:schemeClr>
+          </a:lnRef>
+          <a:fillRef idx="1">
+            <a:schemeClr val="accent1"/>
+          </a:fillRef>
+          <a:effectRef idx="0">
+            <a:schemeClr val="accent1"/>
+          </a:effectRef>
+          <a:fontRef idx="minor">
+            <a:schemeClr val="lt1"/>
+          </a:fontRef>
+        </p:style>
+        <p:txBody>
+          <a:bodyPr rtlCol="0" anchor="ctr"/>
+          <a:lstStyle/>
+          <a:p>
+            <a:pPr algn="ctr"/>
+            <a:endParaRPr lang="ko-KR" altLang="en-US"/>
+          </a:p>
+        </p:txBody>
+      </p:sp>
+      <p:sp>
+        <p:nvSpPr>
+          <p:cNvPr id="8" name="직사각형 7">
+            <a:extLst>
+              <a:ext uri="{FF2B5EF4-FFF2-40B4-BE49-F238E27FC236}">
+                <a16:creationId xmlns:a16="http://schemas.microsoft.com/office/drawing/2014/main" id="{B5AD2ACA-5FE3-4A9A-B082-C6DB871D08E0}"/>
+              </a:ext>
+            </a:extLst>
+          </p:cNvPr>
+          <p:cNvSpPr/>
+          <p:nvPr/>
+        </p:nvSpPr>
+        <p:spPr>
+          <a:xfrm>
+            <a:off x="3510271" y="1205687"/>
+            <a:ext cx="5171460" cy="804670"/>
+          </a:xfrm>
+          <a:prstGeom prst="rect">
+            <a:avLst/>
+          </a:prstGeom>
+          <a:solidFill>
+            <a:schemeClr val="bg2">
+              <a:lumMod val="75000"/>
+            </a:schemeClr>
+          </a:solidFill>
+          <a:ln>
+            <a:noFill/>
+          </a:ln>
+        </p:spPr>
+        <p:style>
+          <a:lnRef idx="2">
+            <a:schemeClr val="accent1">
+              <a:shade val="50000"/>
+            </a:schemeClr>
+          </a:lnRef>
+          <a:fillRef idx="1">
+            <a:schemeClr val="accent1"/>
+          </a:fillRef>
+          <a:effectRef idx="0">
+            <a:schemeClr val="accent1"/>
+          </a:effectRef>
+          <a:fontRef idx="minor">
+            <a:schemeClr val="lt1"/>
+          </a:fontRef>
+        </p:style>
+        <p:txBody>
+          <a:bodyPr rtlCol="0" anchor="ctr"/>
+          <a:lstStyle/>
+          <a:p>
+            <a:pPr algn="ctr"/>
+            <a:endParaRPr lang="ko-KR" altLang="en-US"/>
+          </a:p>
+        </p:txBody>
+      </p:sp>
+      <p:sp>
+        <p:nvSpPr>
+          <p:cNvPr id="6" name="직사각형 5">
+            <a:extLst>
+              <a:ext uri="{FF2B5EF4-FFF2-40B4-BE49-F238E27FC236}">
+                <a16:creationId xmlns:a16="http://schemas.microsoft.com/office/drawing/2014/main" id="{2C62910E-1314-4359-8329-D02C4E092075}"/>
+              </a:ext>
+            </a:extLst>
+          </p:cNvPr>
+          <p:cNvSpPr/>
+          <p:nvPr/>
+        </p:nvSpPr>
+        <p:spPr>
+          <a:xfrm>
+            <a:off x="5321790" y="3648783"/>
+            <a:ext cx="1604866" cy="382555"/>
+          </a:xfrm>
+          <a:prstGeom prst="rect">
+            <a:avLst/>
+          </a:prstGeom>
+          <a:solidFill>
+            <a:schemeClr val="bg2">
+              <a:lumMod val="75000"/>
+            </a:schemeClr>
+          </a:solidFill>
+          <a:ln>
+            <a:noFill/>
+          </a:ln>
+        </p:spPr>
+        <p:style>
+          <a:lnRef idx="2">
+            <a:schemeClr val="accent1">
+              <a:shade val="50000"/>
+            </a:schemeClr>
+          </a:lnRef>
+          <a:fillRef idx="1">
+            <a:schemeClr val="accent1"/>
+          </a:fillRef>
+          <a:effectRef idx="0">
+            <a:schemeClr val="accent1"/>
+          </a:effectRef>
+          <a:fontRef idx="minor">
+            <a:schemeClr val="lt1"/>
+          </a:fontRef>
+        </p:style>
+        <p:txBody>
+          <a:bodyPr rtlCol="0" anchor="ctr"/>
+          <a:lstStyle/>
+          <a:p>
+            <a:pPr algn="ctr"/>
+            <a:endParaRPr lang="ko-KR" altLang="en-US"/>
+          </a:p>
+        </p:txBody>
+      </p:sp>
+      <p:sp>
+        <p:nvSpPr>
+          <p:cNvPr id="7" name="직사각형 6">
+            <a:extLst>
+              <a:ext uri="{FF2B5EF4-FFF2-40B4-BE49-F238E27FC236}">
+                <a16:creationId xmlns:a16="http://schemas.microsoft.com/office/drawing/2014/main" id="{DBA7BF63-E3DB-4F67-81C8-CC2FCDFE655C}"/>
+              </a:ext>
+            </a:extLst>
+          </p:cNvPr>
+          <p:cNvSpPr/>
+          <p:nvPr/>
+        </p:nvSpPr>
+        <p:spPr>
+          <a:xfrm>
+            <a:off x="7470827" y="1416597"/>
+            <a:ext cx="1049288" cy="382555"/>
+          </a:xfrm>
+          <a:prstGeom prst="rect">
+            <a:avLst/>
+          </a:prstGeom>
+          <a:solidFill>
+            <a:schemeClr val="bg2">
+              <a:lumMod val="90000"/>
+            </a:schemeClr>
+          </a:solidFill>
+          <a:ln>
+            <a:noFill/>
+          </a:ln>
+        </p:spPr>
+        <p:style>
+          <a:lnRef idx="2">
+            <a:schemeClr val="accent1">
+              <a:shade val="50000"/>
+            </a:schemeClr>
+          </a:lnRef>
+          <a:fillRef idx="1">
+            <a:schemeClr val="accent1"/>
+          </a:fillRef>
+          <a:effectRef idx="0">
+            <a:schemeClr val="accent1"/>
+          </a:effectRef>
+          <a:fontRef idx="minor">
+            <a:schemeClr val="lt1"/>
+          </a:fontRef>
+        </p:style>
+        <p:txBody>
+          <a:bodyPr rtlCol="0" anchor="ctr"/>
+          <a:lstStyle/>
+          <a:p>
+            <a:pPr algn="ctr"/>
+            <a:endParaRPr lang="ko-KR" altLang="en-US"/>
+          </a:p>
+        </p:txBody>
+      </p:sp>
+      <p:sp>
+        <p:nvSpPr>
+          <p:cNvPr id="2" name="타원 1">
+            <a:extLst>
+              <a:ext uri="{FF2B5EF4-FFF2-40B4-BE49-F238E27FC236}">
+                <a16:creationId xmlns:a16="http://schemas.microsoft.com/office/drawing/2014/main" id="{60A1EC28-17E7-4BC6-802E-88E4B4F3FA0A}"/>
+              </a:ext>
+            </a:extLst>
+          </p:cNvPr>
+          <p:cNvSpPr/>
+          <p:nvPr/>
+        </p:nvSpPr>
+        <p:spPr>
+          <a:xfrm>
+            <a:off x="6926656" y="1416598"/>
+            <a:ext cx="382555" cy="382555"/>
+          </a:xfrm>
+          <a:prstGeom prst="ellipse">
+            <a:avLst/>
+          </a:prstGeom>
+          <a:solidFill>
+            <a:schemeClr val="bg2"/>
+          </a:solidFill>
+          <a:ln>
+            <a:noFill/>
+          </a:ln>
+        </p:spPr>
+        <p:style>
+          <a:lnRef idx="2">
+            <a:schemeClr val="accent1">
+              <a:shade val="50000"/>
+            </a:schemeClr>
+          </a:lnRef>
+          <a:fillRef idx="1">
+            <a:schemeClr val="accent1"/>
+          </a:fillRef>
+          <a:effectRef idx="0">
+            <a:schemeClr val="accent1"/>
+          </a:effectRef>
+          <a:fontRef idx="minor">
+            <a:schemeClr val="lt1"/>
+          </a:fontRef>
+        </p:style>
+        <p:txBody>
+          <a:bodyPr rtlCol="0" anchor="ctr"/>
+          <a:lstStyle/>
+          <a:p>
+            <a:pPr algn="ctr"/>
+            <a:endParaRPr lang="ko-KR" altLang="en-US"/>
+          </a:p>
+        </p:txBody>
+      </p:sp>
+      <p:sp>
+        <p:nvSpPr>
+          <p:cNvPr id="10" name="직사각형 9">
+            <a:extLst>
+              <a:ext uri="{FF2B5EF4-FFF2-40B4-BE49-F238E27FC236}">
+                <a16:creationId xmlns:a16="http://schemas.microsoft.com/office/drawing/2014/main" id="{CE656AAD-EEB6-438A-A054-923A20C49D85}"/>
+              </a:ext>
+            </a:extLst>
+          </p:cNvPr>
+          <p:cNvSpPr/>
+          <p:nvPr/>
+        </p:nvSpPr>
+        <p:spPr>
+          <a:xfrm>
+            <a:off x="3644532" y="1416597"/>
+            <a:ext cx="382555" cy="382555"/>
+          </a:xfrm>
+          <a:prstGeom prst="rect">
+            <a:avLst/>
+          </a:prstGeom>
+          <a:solidFill>
+            <a:schemeClr val="bg2">
+              <a:lumMod val="90000"/>
+            </a:schemeClr>
+          </a:solidFill>
+          <a:ln>
+            <a:noFill/>
+          </a:ln>
+        </p:spPr>
+        <p:style>
+          <a:lnRef idx="2">
+            <a:schemeClr val="accent1">
+              <a:shade val="50000"/>
+            </a:schemeClr>
+          </a:lnRef>
+          <a:fillRef idx="1">
+            <a:schemeClr val="accent1"/>
+          </a:fillRef>
+          <a:effectRef idx="0">
+            <a:schemeClr val="accent1"/>
+          </a:effectRef>
+          <a:fontRef idx="minor">
+            <a:schemeClr val="lt1"/>
+          </a:fontRef>
+        </p:style>
+        <p:txBody>
+          <a:bodyPr rtlCol="0" anchor="ctr"/>
+          <a:lstStyle/>
+          <a:p>
+            <a:pPr algn="ctr"/>
+            <a:endParaRPr lang="ko-KR" altLang="en-US"/>
+          </a:p>
+        </p:txBody>
+      </p:sp>
+    </p:spTree>
+    <p:extLst>
+      <p:ext uri="{BB962C8B-B14F-4D97-AF65-F5344CB8AC3E}">
+        <p14:creationId xmlns:p14="http://schemas.microsoft.com/office/powerpoint/2010/main" val="513407319"/>
+      </p:ext>
+    </p:extLst>
+  </p:cSld>
+  <p:clrMapOvr>
+    <a:masterClrMapping/>
+  </p:clrMapOvr>
+</p:sld>
+</file>
+
+<file path=ppt/slides/slide5.xml><?xml version="1.0" encoding="utf-8"?>
+<p:sld xmlns:a="http://schemas.openxmlformats.org/drawingml/2006/main" xmlns:r="http://schemas.openxmlformats.org/officeDocument/2006/relationships" xmlns:p="http://schemas.openxmlformats.org/presentationml/2006/main">
+  <p:cSld>
+    <p:bg>
+      <p:bgPr>
+        <a:solidFill>
+          <a:schemeClr val="accent1">
+            <a:lumMod val="60000"/>
+            <a:lumOff val="40000"/>
+          </a:schemeClr>
+        </a:solidFill>
+        <a:effectLst/>
+      </p:bgPr>
+    </p:bg>
+    <p:spTree>
+      <p:nvGrpSpPr>
+        <p:cNvPr id="1" name=""/>
+        <p:cNvGrpSpPr/>
+        <p:nvPr/>
+      </p:nvGrpSpPr>
+      <p:grpSpPr>
+        <a:xfrm>
+          <a:off x="0" y="0"/>
+          <a:ext cx="0" cy="0"/>
+          <a:chOff x="0" y="0"/>
+          <a:chExt cx="0" cy="0"/>
+        </a:xfrm>
+      </p:grpSpPr>
+      <p:sp>
+        <p:nvSpPr>
+          <p:cNvPr id="4" name="직사각형 3">
+            <a:extLst>
+              <a:ext uri="{FF2B5EF4-FFF2-40B4-BE49-F238E27FC236}">
+                <a16:creationId xmlns:a16="http://schemas.microsoft.com/office/drawing/2014/main" id="{BF26157F-2295-4B45-9B5F-E5AEAA8819EA}"/>
+              </a:ext>
+            </a:extLst>
+          </p:cNvPr>
+          <p:cNvSpPr/>
+          <p:nvPr/>
+        </p:nvSpPr>
+        <p:spPr>
+          <a:xfrm>
+            <a:off x="1783644" y="451556"/>
+            <a:ext cx="8681156" cy="5926666"/>
+          </a:xfrm>
+          <a:prstGeom prst="rect">
+            <a:avLst/>
+          </a:prstGeom>
+          <a:solidFill>
+            <a:schemeClr val="bg1"/>
+          </a:solidFill>
+          <a:ln>
+            <a:noFill/>
+          </a:ln>
+        </p:spPr>
+        <p:style>
+          <a:lnRef idx="2">
+            <a:schemeClr val="accent1">
+              <a:shade val="50000"/>
+            </a:schemeClr>
+          </a:lnRef>
+          <a:fillRef idx="1">
+            <a:schemeClr val="accent1"/>
+          </a:fillRef>
+          <a:effectRef idx="0">
+            <a:schemeClr val="accent1"/>
+          </a:effectRef>
+          <a:fontRef idx="minor">
+            <a:schemeClr val="lt1"/>
+          </a:fontRef>
+        </p:style>
+        <p:txBody>
+          <a:bodyPr rtlCol="0" anchor="ctr"/>
+          <a:lstStyle/>
+          <a:p>
+            <a:pPr algn="ctr"/>
+            <a:endParaRPr lang="ko-KR" altLang="en-US"/>
+          </a:p>
+        </p:txBody>
+      </p:sp>
+      <p:sp>
+        <p:nvSpPr>
+          <p:cNvPr id="5" name="직사각형 4">
+            <a:extLst>
+              <a:ext uri="{FF2B5EF4-FFF2-40B4-BE49-F238E27FC236}">
+                <a16:creationId xmlns:a16="http://schemas.microsoft.com/office/drawing/2014/main" id="{A0E0EE00-615B-462E-B020-796617F2D280}"/>
+              </a:ext>
+            </a:extLst>
+          </p:cNvPr>
+          <p:cNvSpPr/>
+          <p:nvPr/>
+        </p:nvSpPr>
+        <p:spPr>
+          <a:xfrm>
             <a:off x="3510269" y="1559627"/>
             <a:ext cx="5171460" cy="3610947"/>
           </a:xfrm>
@@ -4148,60 +4406,6 @@
       </p:sp>
       <p:sp>
         <p:nvSpPr>
-          <p:cNvPr id="7" name="직사각형 6">
-            <a:extLst>
-              <a:ext uri="{FF2B5EF4-FFF2-40B4-BE49-F238E27FC236}">
-                <a16:creationId xmlns:a16="http://schemas.microsoft.com/office/drawing/2014/main" id="{DBA7BF63-E3DB-4F67-81C8-CC2FCDFE655C}"/>
-              </a:ext>
-            </a:extLst>
-          </p:cNvPr>
-          <p:cNvSpPr/>
-          <p:nvPr/>
-        </p:nvSpPr>
-        <p:spPr>
-          <a:xfrm>
-            <a:off x="7632441" y="1027782"/>
-            <a:ext cx="1049288" cy="382555"/>
-          </a:xfrm>
-          <a:prstGeom prst="rect">
-            <a:avLst/>
-          </a:prstGeom>
-          <a:solidFill>
-            <a:schemeClr val="bg2">
-              <a:lumMod val="75000"/>
-            </a:schemeClr>
-          </a:solidFill>
-          <a:ln>
-            <a:noFill/>
-          </a:ln>
-        </p:spPr>
-        <p:style>
-          <a:lnRef idx="2">
-            <a:schemeClr val="accent1">
-              <a:shade val="50000"/>
-            </a:schemeClr>
-          </a:lnRef>
-          <a:fillRef idx="1">
-            <a:schemeClr val="accent1"/>
-          </a:fillRef>
-          <a:effectRef idx="0">
-            <a:schemeClr val="accent1"/>
-          </a:effectRef>
-          <a:fontRef idx="minor">
-            <a:schemeClr val="lt1"/>
-          </a:fontRef>
-        </p:style>
-        <p:txBody>
-          <a:bodyPr rtlCol="0" anchor="ctr"/>
-          <a:lstStyle/>
-          <a:p>
-            <a:pPr algn="ctr"/>
-            <a:endParaRPr lang="ko-KR" altLang="en-US"/>
-          </a:p>
-        </p:txBody>
-      </p:sp>
-      <p:sp>
-        <p:nvSpPr>
           <p:cNvPr id="9" name="직사각형 8">
             <a:extLst>
               <a:ext uri="{FF2B5EF4-FFF2-40B4-BE49-F238E27FC236}">
@@ -4218,58 +4422,6 @@
             <a:ext cx="477185" cy="129159"/>
           </a:xfrm>
           <a:prstGeom prst="rect">
-            <a:avLst/>
-          </a:prstGeom>
-          <a:solidFill>
-            <a:schemeClr val="bg2"/>
-          </a:solidFill>
-          <a:ln>
-            <a:noFill/>
-          </a:ln>
-        </p:spPr>
-        <p:style>
-          <a:lnRef idx="2">
-            <a:schemeClr val="accent1">
-              <a:shade val="50000"/>
-            </a:schemeClr>
-          </a:lnRef>
-          <a:fillRef idx="1">
-            <a:schemeClr val="accent1"/>
-          </a:fillRef>
-          <a:effectRef idx="0">
-            <a:schemeClr val="accent1"/>
-          </a:effectRef>
-          <a:fontRef idx="minor">
-            <a:schemeClr val="lt1"/>
-          </a:fontRef>
-        </p:style>
-        <p:txBody>
-          <a:bodyPr rtlCol="0" anchor="ctr"/>
-          <a:lstStyle/>
-          <a:p>
-            <a:pPr algn="ctr"/>
-            <a:endParaRPr lang="ko-KR" altLang="en-US"/>
-          </a:p>
-        </p:txBody>
-      </p:sp>
-      <p:sp>
-        <p:nvSpPr>
-          <p:cNvPr id="2" name="타원 1">
-            <a:extLst>
-              <a:ext uri="{FF2B5EF4-FFF2-40B4-BE49-F238E27FC236}">
-                <a16:creationId xmlns:a16="http://schemas.microsoft.com/office/drawing/2014/main" id="{60A1EC28-17E7-4BC6-802E-88E4B4F3FA0A}"/>
-              </a:ext>
-            </a:extLst>
-          </p:cNvPr>
-          <p:cNvSpPr/>
-          <p:nvPr/>
-        </p:nvSpPr>
-        <p:spPr>
-          <a:xfrm>
-            <a:off x="7181749" y="1027782"/>
-            <a:ext cx="382555" cy="382555"/>
-          </a:xfrm>
-          <a:prstGeom prst="ellipse">
             <a:avLst/>
           </a:prstGeom>
           <a:solidFill>
@@ -4592,6 +4744,220 @@
           </a:prstGeom>
           <a:solidFill>
             <a:schemeClr val="bg2"/>
+          </a:solidFill>
+          <a:ln>
+            <a:noFill/>
+          </a:ln>
+        </p:spPr>
+        <p:style>
+          <a:lnRef idx="2">
+            <a:schemeClr val="accent1">
+              <a:shade val="50000"/>
+            </a:schemeClr>
+          </a:lnRef>
+          <a:fillRef idx="1">
+            <a:schemeClr val="accent1"/>
+          </a:fillRef>
+          <a:effectRef idx="0">
+            <a:schemeClr val="accent1"/>
+          </a:effectRef>
+          <a:fontRef idx="minor">
+            <a:schemeClr val="lt1"/>
+          </a:fontRef>
+        </p:style>
+        <p:txBody>
+          <a:bodyPr rtlCol="0" anchor="ctr"/>
+          <a:lstStyle/>
+          <a:p>
+            <a:pPr algn="ctr"/>
+            <a:endParaRPr lang="ko-KR" altLang="en-US"/>
+          </a:p>
+        </p:txBody>
+      </p:sp>
+      <p:sp>
+        <p:nvSpPr>
+          <p:cNvPr id="15" name="직사각형 14">
+            <a:extLst>
+              <a:ext uri="{FF2B5EF4-FFF2-40B4-BE49-F238E27FC236}">
+                <a16:creationId xmlns:a16="http://schemas.microsoft.com/office/drawing/2014/main" id="{FD832C0E-5F06-43D9-9A78-331FE0988218}"/>
+              </a:ext>
+            </a:extLst>
+          </p:cNvPr>
+          <p:cNvSpPr/>
+          <p:nvPr/>
+        </p:nvSpPr>
+        <p:spPr>
+          <a:xfrm>
+            <a:off x="3510270" y="794626"/>
+            <a:ext cx="5171460" cy="804670"/>
+          </a:xfrm>
+          <a:prstGeom prst="rect">
+            <a:avLst/>
+          </a:prstGeom>
+          <a:solidFill>
+            <a:schemeClr val="bg2">
+              <a:lumMod val="75000"/>
+            </a:schemeClr>
+          </a:solidFill>
+          <a:ln>
+            <a:noFill/>
+          </a:ln>
+        </p:spPr>
+        <p:style>
+          <a:lnRef idx="2">
+            <a:schemeClr val="accent1">
+              <a:shade val="50000"/>
+            </a:schemeClr>
+          </a:lnRef>
+          <a:fillRef idx="1">
+            <a:schemeClr val="accent1"/>
+          </a:fillRef>
+          <a:effectRef idx="0">
+            <a:schemeClr val="accent1"/>
+          </a:effectRef>
+          <a:fontRef idx="minor">
+            <a:schemeClr val="lt1"/>
+          </a:fontRef>
+        </p:style>
+        <p:txBody>
+          <a:bodyPr rtlCol="0" anchor="ctr"/>
+          <a:lstStyle/>
+          <a:p>
+            <a:pPr algn="ctr"/>
+            <a:endParaRPr lang="ko-KR" altLang="en-US"/>
+          </a:p>
+        </p:txBody>
+      </p:sp>
+      <p:sp>
+        <p:nvSpPr>
+          <p:cNvPr id="17" name="직사각형 16">
+            <a:extLst>
+              <a:ext uri="{FF2B5EF4-FFF2-40B4-BE49-F238E27FC236}">
+                <a16:creationId xmlns:a16="http://schemas.microsoft.com/office/drawing/2014/main" id="{4C1F3F2E-A4BC-4AD6-BCFC-B050B4B68160}"/>
+              </a:ext>
+            </a:extLst>
+          </p:cNvPr>
+          <p:cNvSpPr/>
+          <p:nvPr/>
+        </p:nvSpPr>
+        <p:spPr>
+          <a:xfrm>
+            <a:off x="7470826" y="1005536"/>
+            <a:ext cx="1049288" cy="382555"/>
+          </a:xfrm>
+          <a:prstGeom prst="rect">
+            <a:avLst/>
+          </a:prstGeom>
+          <a:solidFill>
+            <a:schemeClr val="bg2">
+              <a:lumMod val="90000"/>
+            </a:schemeClr>
+          </a:solidFill>
+          <a:ln>
+            <a:noFill/>
+          </a:ln>
+        </p:spPr>
+        <p:style>
+          <a:lnRef idx="2">
+            <a:schemeClr val="accent1">
+              <a:shade val="50000"/>
+            </a:schemeClr>
+          </a:lnRef>
+          <a:fillRef idx="1">
+            <a:schemeClr val="accent1"/>
+          </a:fillRef>
+          <a:effectRef idx="0">
+            <a:schemeClr val="accent1"/>
+          </a:effectRef>
+          <a:fontRef idx="minor">
+            <a:schemeClr val="lt1"/>
+          </a:fontRef>
+        </p:style>
+        <p:txBody>
+          <a:bodyPr rtlCol="0" anchor="ctr"/>
+          <a:lstStyle/>
+          <a:p>
+            <a:pPr algn="ctr"/>
+            <a:endParaRPr lang="ko-KR" altLang="en-US"/>
+          </a:p>
+        </p:txBody>
+      </p:sp>
+      <p:sp>
+        <p:nvSpPr>
+          <p:cNvPr id="18" name="타원 17">
+            <a:extLst>
+              <a:ext uri="{FF2B5EF4-FFF2-40B4-BE49-F238E27FC236}">
+                <a16:creationId xmlns:a16="http://schemas.microsoft.com/office/drawing/2014/main" id="{8E1D84D6-68B8-41BF-B2D4-934F6E1DA320}"/>
+              </a:ext>
+            </a:extLst>
+          </p:cNvPr>
+          <p:cNvSpPr/>
+          <p:nvPr/>
+        </p:nvSpPr>
+        <p:spPr>
+          <a:xfrm>
+            <a:off x="6926655" y="1005537"/>
+            <a:ext cx="382555" cy="382555"/>
+          </a:xfrm>
+          <a:prstGeom prst="ellipse">
+            <a:avLst/>
+          </a:prstGeom>
+          <a:solidFill>
+            <a:schemeClr val="bg2"/>
+          </a:solidFill>
+          <a:ln>
+            <a:noFill/>
+          </a:ln>
+        </p:spPr>
+        <p:style>
+          <a:lnRef idx="2">
+            <a:schemeClr val="accent1">
+              <a:shade val="50000"/>
+            </a:schemeClr>
+          </a:lnRef>
+          <a:fillRef idx="1">
+            <a:schemeClr val="accent1"/>
+          </a:fillRef>
+          <a:effectRef idx="0">
+            <a:schemeClr val="accent1"/>
+          </a:effectRef>
+          <a:fontRef idx="minor">
+            <a:schemeClr val="lt1"/>
+          </a:fontRef>
+        </p:style>
+        <p:txBody>
+          <a:bodyPr rtlCol="0" anchor="ctr"/>
+          <a:lstStyle/>
+          <a:p>
+            <a:pPr algn="ctr"/>
+            <a:endParaRPr lang="ko-KR" altLang="en-US"/>
+          </a:p>
+        </p:txBody>
+      </p:sp>
+      <p:sp>
+        <p:nvSpPr>
+          <p:cNvPr id="20" name="직사각형 19">
+            <a:extLst>
+              <a:ext uri="{FF2B5EF4-FFF2-40B4-BE49-F238E27FC236}">
+                <a16:creationId xmlns:a16="http://schemas.microsoft.com/office/drawing/2014/main" id="{B549AB3F-1B5D-4385-89C5-2ED772EF5981}"/>
+              </a:ext>
+            </a:extLst>
+          </p:cNvPr>
+          <p:cNvSpPr/>
+          <p:nvPr/>
+        </p:nvSpPr>
+        <p:spPr>
+          <a:xfrm>
+            <a:off x="3644531" y="1005536"/>
+            <a:ext cx="382555" cy="382555"/>
+          </a:xfrm>
+          <a:prstGeom prst="rect">
+            <a:avLst/>
+          </a:prstGeom>
+          <a:solidFill>
+            <a:schemeClr val="bg2">
+              <a:lumMod val="90000"/>
+            </a:schemeClr>
           </a:solidFill>
           <a:ln>
             <a:noFill/>

--- a/src/main/resources/doc/화면레이아웃.pptx
+++ b/src/main/resources/doc/화면레이아웃.pptx
@@ -5,11 +5,10 @@
     <p:sldMasterId id="2147483648" r:id="rId1"/>
   </p:sldMasterIdLst>
   <p:sldIdLst>
-    <p:sldId id="259" r:id="rId2"/>
-    <p:sldId id="260" r:id="rId3"/>
-    <p:sldId id="256" r:id="rId4"/>
-    <p:sldId id="257" r:id="rId5"/>
-    <p:sldId id="258" r:id="rId6"/>
+    <p:sldId id="260" r:id="rId2"/>
+    <p:sldId id="256" r:id="rId3"/>
+    <p:sldId id="257" r:id="rId4"/>
+    <p:sldId id="258" r:id="rId5"/>
   </p:sldIdLst>
   <p:sldSz cx="12192000" cy="6858000"/>
   <p:notesSz cx="6858000" cy="9144000"/>
@@ -3330,36 +3329,6 @@
           <a:chExt cx="0" cy="0"/>
         </a:xfrm>
       </p:grpSpPr>
-    </p:spTree>
-    <p:extLst>
-      <p:ext uri="{BB962C8B-B14F-4D97-AF65-F5344CB8AC3E}">
-        <p14:creationId xmlns:p14="http://schemas.microsoft.com/office/powerpoint/2010/main" val="369043573"/>
-      </p:ext>
-    </p:extLst>
-  </p:cSld>
-  <p:clrMapOvr>
-    <a:masterClrMapping/>
-  </p:clrMapOvr>
-</p:sld>
-</file>
-
-<file path=ppt/slides/slide2.xml><?xml version="1.0" encoding="utf-8"?>
-<p:sld xmlns:a="http://schemas.openxmlformats.org/drawingml/2006/main" xmlns:r="http://schemas.openxmlformats.org/officeDocument/2006/relationships" xmlns:p="http://schemas.openxmlformats.org/presentationml/2006/main">
-  <p:cSld>
-    <p:spTree>
-      <p:nvGrpSpPr>
-        <p:cNvPr id="1" name=""/>
-        <p:cNvGrpSpPr/>
-        <p:nvPr/>
-      </p:nvGrpSpPr>
-      <p:grpSpPr>
-        <a:xfrm>
-          <a:off x="0" y="0"/>
-          <a:ext cx="0" cy="0"/>
-          <a:chOff x="0" y="0"/>
-          <a:chExt cx="0" cy="0"/>
-        </a:xfrm>
-      </p:grpSpPr>
       <p:sp>
         <p:nvSpPr>
           <p:cNvPr id="2" name="제목 1">
@@ -3499,6 +3468,353 @@
     <p:extLst>
       <p:ext uri="{BB962C8B-B14F-4D97-AF65-F5344CB8AC3E}">
         <p14:creationId xmlns:p14="http://schemas.microsoft.com/office/powerpoint/2010/main" val="280812361"/>
+      </p:ext>
+    </p:extLst>
+  </p:cSld>
+  <p:clrMapOvr>
+    <a:masterClrMapping/>
+  </p:clrMapOvr>
+</p:sld>
+</file>
+
+<file path=ppt/slides/slide2.xml><?xml version="1.0" encoding="utf-8"?>
+<p:sld xmlns:a="http://schemas.openxmlformats.org/drawingml/2006/main" xmlns:r="http://schemas.openxmlformats.org/officeDocument/2006/relationships" xmlns:p="http://schemas.openxmlformats.org/presentationml/2006/main">
+  <p:cSld>
+    <p:bg>
+      <p:bgPr>
+        <a:solidFill>
+          <a:schemeClr val="accent1">
+            <a:lumMod val="60000"/>
+            <a:lumOff val="40000"/>
+          </a:schemeClr>
+        </a:solidFill>
+        <a:effectLst/>
+      </p:bgPr>
+    </p:bg>
+    <p:spTree>
+      <p:nvGrpSpPr>
+        <p:cNvPr id="1" name=""/>
+        <p:cNvGrpSpPr/>
+        <p:nvPr/>
+      </p:nvGrpSpPr>
+      <p:grpSpPr>
+        <a:xfrm>
+          <a:off x="0" y="0"/>
+          <a:ext cx="0" cy="0"/>
+          <a:chOff x="0" y="0"/>
+          <a:chExt cx="0" cy="0"/>
+        </a:xfrm>
+      </p:grpSpPr>
+      <p:sp>
+        <p:nvSpPr>
+          <p:cNvPr id="4" name="직사각형 3">
+            <a:extLst>
+              <a:ext uri="{FF2B5EF4-FFF2-40B4-BE49-F238E27FC236}">
+                <a16:creationId xmlns:a16="http://schemas.microsoft.com/office/drawing/2014/main" id="{BF26157F-2295-4B45-9B5F-E5AEAA8819EA}"/>
+              </a:ext>
+            </a:extLst>
+          </p:cNvPr>
+          <p:cNvSpPr/>
+          <p:nvPr/>
+        </p:nvSpPr>
+        <p:spPr>
+          <a:xfrm>
+            <a:off x="1783644" y="451556"/>
+            <a:ext cx="8681156" cy="5926666"/>
+          </a:xfrm>
+          <a:prstGeom prst="rect">
+            <a:avLst/>
+          </a:prstGeom>
+          <a:solidFill>
+            <a:schemeClr val="bg1"/>
+          </a:solidFill>
+          <a:ln>
+            <a:noFill/>
+          </a:ln>
+        </p:spPr>
+        <p:style>
+          <a:lnRef idx="2">
+            <a:schemeClr val="accent1">
+              <a:shade val="50000"/>
+            </a:schemeClr>
+          </a:lnRef>
+          <a:fillRef idx="1">
+            <a:schemeClr val="accent1"/>
+          </a:fillRef>
+          <a:effectRef idx="0">
+            <a:schemeClr val="accent1"/>
+          </a:effectRef>
+          <a:fontRef idx="minor">
+            <a:schemeClr val="lt1"/>
+          </a:fontRef>
+        </p:style>
+        <p:txBody>
+          <a:bodyPr rtlCol="0" anchor="ctr"/>
+          <a:lstStyle/>
+          <a:p>
+            <a:pPr algn="ctr"/>
+            <a:endParaRPr lang="ko-KR" altLang="en-US"/>
+          </a:p>
+        </p:txBody>
+      </p:sp>
+      <p:sp>
+        <p:nvSpPr>
+          <p:cNvPr id="5" name="직사각형 4">
+            <a:extLst>
+              <a:ext uri="{FF2B5EF4-FFF2-40B4-BE49-F238E27FC236}">
+                <a16:creationId xmlns:a16="http://schemas.microsoft.com/office/drawing/2014/main" id="{A0E0EE00-615B-462E-B020-796617F2D280}"/>
+              </a:ext>
+            </a:extLst>
+          </p:cNvPr>
+          <p:cNvSpPr/>
+          <p:nvPr/>
+        </p:nvSpPr>
+        <p:spPr>
+          <a:xfrm>
+            <a:off x="4777563" y="1681782"/>
+            <a:ext cx="2636874" cy="3466214"/>
+          </a:xfrm>
+          <a:prstGeom prst="rect">
+            <a:avLst/>
+          </a:prstGeom>
+          <a:solidFill>
+            <a:schemeClr val="bg2">
+              <a:lumMod val="50000"/>
+            </a:schemeClr>
+          </a:solidFill>
+          <a:ln>
+            <a:noFill/>
+          </a:ln>
+        </p:spPr>
+        <p:style>
+          <a:lnRef idx="2">
+            <a:schemeClr val="accent1">
+              <a:shade val="50000"/>
+            </a:schemeClr>
+          </a:lnRef>
+          <a:fillRef idx="1">
+            <a:schemeClr val="accent1"/>
+          </a:fillRef>
+          <a:effectRef idx="0">
+            <a:schemeClr val="accent1"/>
+          </a:effectRef>
+          <a:fontRef idx="minor">
+            <a:schemeClr val="lt1"/>
+          </a:fontRef>
+        </p:style>
+        <p:txBody>
+          <a:bodyPr rtlCol="0" anchor="ctr"/>
+          <a:lstStyle/>
+          <a:p>
+            <a:pPr algn="ctr"/>
+            <a:endParaRPr lang="ko-KR" altLang="en-US"/>
+          </a:p>
+        </p:txBody>
+      </p:sp>
+      <p:sp>
+        <p:nvSpPr>
+          <p:cNvPr id="6" name="직사각형 5">
+            <a:extLst>
+              <a:ext uri="{FF2B5EF4-FFF2-40B4-BE49-F238E27FC236}">
+                <a16:creationId xmlns:a16="http://schemas.microsoft.com/office/drawing/2014/main" id="{2C62910E-1314-4359-8329-D02C4E092075}"/>
+              </a:ext>
+            </a:extLst>
+          </p:cNvPr>
+          <p:cNvSpPr/>
+          <p:nvPr/>
+        </p:nvSpPr>
+        <p:spPr>
+          <a:xfrm>
+            <a:off x="5321789" y="3173824"/>
+            <a:ext cx="1604866" cy="382555"/>
+          </a:xfrm>
+          <a:prstGeom prst="rect">
+            <a:avLst/>
+          </a:prstGeom>
+          <a:solidFill>
+            <a:schemeClr val="bg2">
+              <a:lumMod val="75000"/>
+            </a:schemeClr>
+          </a:solidFill>
+          <a:ln>
+            <a:noFill/>
+          </a:ln>
+        </p:spPr>
+        <p:style>
+          <a:lnRef idx="2">
+            <a:schemeClr val="accent1">
+              <a:shade val="50000"/>
+            </a:schemeClr>
+          </a:lnRef>
+          <a:fillRef idx="1">
+            <a:schemeClr val="accent1"/>
+          </a:fillRef>
+          <a:effectRef idx="0">
+            <a:schemeClr val="accent1"/>
+          </a:effectRef>
+          <a:fontRef idx="minor">
+            <a:schemeClr val="lt1"/>
+          </a:fontRef>
+        </p:style>
+        <p:txBody>
+          <a:bodyPr rtlCol="0" anchor="ctr"/>
+          <a:lstStyle/>
+          <a:p>
+            <a:pPr algn="ctr"/>
+            <a:endParaRPr lang="ko-KR" altLang="en-US"/>
+          </a:p>
+        </p:txBody>
+      </p:sp>
+      <p:sp>
+        <p:nvSpPr>
+          <p:cNvPr id="7" name="직사각형 6">
+            <a:extLst>
+              <a:ext uri="{FF2B5EF4-FFF2-40B4-BE49-F238E27FC236}">
+                <a16:creationId xmlns:a16="http://schemas.microsoft.com/office/drawing/2014/main" id="{DBA7BF63-E3DB-4F67-81C8-CC2FCDFE655C}"/>
+              </a:ext>
+            </a:extLst>
+          </p:cNvPr>
+          <p:cNvSpPr/>
+          <p:nvPr/>
+        </p:nvSpPr>
+        <p:spPr>
+          <a:xfrm>
+            <a:off x="5321789" y="3788936"/>
+            <a:ext cx="1604866" cy="382555"/>
+          </a:xfrm>
+          <a:prstGeom prst="rect">
+            <a:avLst/>
+          </a:prstGeom>
+          <a:solidFill>
+            <a:schemeClr val="bg2">
+              <a:lumMod val="75000"/>
+            </a:schemeClr>
+          </a:solidFill>
+          <a:ln>
+            <a:noFill/>
+          </a:ln>
+        </p:spPr>
+        <p:style>
+          <a:lnRef idx="2">
+            <a:schemeClr val="accent1">
+              <a:shade val="50000"/>
+            </a:schemeClr>
+          </a:lnRef>
+          <a:fillRef idx="1">
+            <a:schemeClr val="accent1"/>
+          </a:fillRef>
+          <a:effectRef idx="0">
+            <a:schemeClr val="accent1"/>
+          </a:effectRef>
+          <a:fontRef idx="minor">
+            <a:schemeClr val="lt1"/>
+          </a:fontRef>
+        </p:style>
+        <p:txBody>
+          <a:bodyPr rtlCol="0" anchor="ctr"/>
+          <a:lstStyle/>
+          <a:p>
+            <a:pPr algn="ctr"/>
+            <a:endParaRPr lang="ko-KR" altLang="en-US"/>
+          </a:p>
+        </p:txBody>
+      </p:sp>
+      <p:sp>
+        <p:nvSpPr>
+          <p:cNvPr id="8" name="TextBox 7">
+            <a:extLst>
+              <a:ext uri="{FF2B5EF4-FFF2-40B4-BE49-F238E27FC236}">
+                <a16:creationId xmlns:a16="http://schemas.microsoft.com/office/drawing/2014/main" id="{562BD3BD-6D37-40B6-84E0-9BBD8CE10229}"/>
+              </a:ext>
+            </a:extLst>
+          </p:cNvPr>
+          <p:cNvSpPr txBox="1"/>
+          <p:nvPr/>
+        </p:nvSpPr>
+        <p:spPr>
+          <a:xfrm>
+            <a:off x="5550389" y="1984879"/>
+            <a:ext cx="1147665" cy="382555"/>
+          </a:xfrm>
+          <a:prstGeom prst="rect">
+            <a:avLst/>
+          </a:prstGeom>
+          <a:noFill/>
+        </p:spPr>
+        <p:txBody>
+          <a:bodyPr wrap="square" rtlCol="0">
+            <a:spAutoFit/>
+          </a:bodyPr>
+          <a:lstStyle/>
+          <a:p>
+            <a:pPr algn="ctr"/>
+            <a:r>
+              <a:rPr lang="ko-KR" altLang="en-US" dirty="0">
+                <a:solidFill>
+                  <a:schemeClr val="bg1"/>
+                </a:solidFill>
+              </a:rPr>
+              <a:t>로그인</a:t>
+            </a:r>
+          </a:p>
+        </p:txBody>
+      </p:sp>
+      <p:sp>
+        <p:nvSpPr>
+          <p:cNvPr id="9" name="직사각형 8">
+            <a:extLst>
+              <a:ext uri="{FF2B5EF4-FFF2-40B4-BE49-F238E27FC236}">
+                <a16:creationId xmlns:a16="http://schemas.microsoft.com/office/drawing/2014/main" id="{FB5BEE14-89EA-45A5-B069-50E412C55102}"/>
+              </a:ext>
+            </a:extLst>
+          </p:cNvPr>
+          <p:cNvSpPr/>
+          <p:nvPr/>
+        </p:nvSpPr>
+        <p:spPr>
+          <a:xfrm>
+            <a:off x="5774324" y="4330874"/>
+            <a:ext cx="699796" cy="146347"/>
+          </a:xfrm>
+          <a:prstGeom prst="rect">
+            <a:avLst/>
+          </a:prstGeom>
+          <a:solidFill>
+            <a:schemeClr val="bg2"/>
+          </a:solidFill>
+          <a:ln>
+            <a:noFill/>
+          </a:ln>
+        </p:spPr>
+        <p:style>
+          <a:lnRef idx="2">
+            <a:schemeClr val="accent1">
+              <a:shade val="50000"/>
+            </a:schemeClr>
+          </a:lnRef>
+          <a:fillRef idx="1">
+            <a:schemeClr val="accent1"/>
+          </a:fillRef>
+          <a:effectRef idx="0">
+            <a:schemeClr val="accent1"/>
+          </a:effectRef>
+          <a:fontRef idx="minor">
+            <a:schemeClr val="lt1"/>
+          </a:fontRef>
+        </p:style>
+        <p:txBody>
+          <a:bodyPr rtlCol="0" anchor="ctr"/>
+          <a:lstStyle/>
+          <a:p>
+            <a:pPr algn="ctr"/>
+            <a:endParaRPr lang="ko-KR" altLang="en-US"/>
+          </a:p>
+        </p:txBody>
+      </p:sp>
+    </p:spTree>
+    <p:extLst>
+      <p:ext uri="{BB962C8B-B14F-4D97-AF65-F5344CB8AC3E}">
+        <p14:creationId xmlns:p14="http://schemas.microsoft.com/office/powerpoint/2010/main" val="3389016771"/>
       </p:ext>
     </p:extLst>
   </p:cSld>
@@ -3602,8 +3918,8 @@
         </p:nvSpPr>
         <p:spPr>
           <a:xfrm>
-            <a:off x="4777563" y="1681782"/>
-            <a:ext cx="2636874" cy="3466214"/>
+            <a:off x="3510270" y="1970688"/>
+            <a:ext cx="5171460" cy="3610947"/>
           </a:xfrm>
           <a:prstGeom prst="rect">
             <a:avLst/>
@@ -3644,10 +3960,10 @@
       </p:sp>
       <p:sp>
         <p:nvSpPr>
-          <p:cNvPr id="6" name="직사각형 5">
-            <a:extLst>
-              <a:ext uri="{FF2B5EF4-FFF2-40B4-BE49-F238E27FC236}">
-                <a16:creationId xmlns:a16="http://schemas.microsoft.com/office/drawing/2014/main" id="{2C62910E-1314-4359-8329-D02C4E092075}"/>
+          <p:cNvPr id="8" name="직사각형 7">
+            <a:extLst>
+              <a:ext uri="{FF2B5EF4-FFF2-40B4-BE49-F238E27FC236}">
+                <a16:creationId xmlns:a16="http://schemas.microsoft.com/office/drawing/2014/main" id="{B5AD2ACA-5FE3-4A9A-B082-C6DB871D08E0}"/>
               </a:ext>
             </a:extLst>
           </p:cNvPr>
@@ -3656,7 +3972,61 @@
         </p:nvSpPr>
         <p:spPr>
           <a:xfrm>
-            <a:off x="5321789" y="3173824"/>
+            <a:off x="3510271" y="1205687"/>
+            <a:ext cx="5171460" cy="804670"/>
+          </a:xfrm>
+          <a:prstGeom prst="rect">
+            <a:avLst/>
+          </a:prstGeom>
+          <a:solidFill>
+            <a:schemeClr val="bg2">
+              <a:lumMod val="75000"/>
+            </a:schemeClr>
+          </a:solidFill>
+          <a:ln>
+            <a:noFill/>
+          </a:ln>
+        </p:spPr>
+        <p:style>
+          <a:lnRef idx="2">
+            <a:schemeClr val="accent1">
+              <a:shade val="50000"/>
+            </a:schemeClr>
+          </a:lnRef>
+          <a:fillRef idx="1">
+            <a:schemeClr val="accent1"/>
+          </a:fillRef>
+          <a:effectRef idx="0">
+            <a:schemeClr val="accent1"/>
+          </a:effectRef>
+          <a:fontRef idx="minor">
+            <a:schemeClr val="lt1"/>
+          </a:fontRef>
+        </p:style>
+        <p:txBody>
+          <a:bodyPr rtlCol="0" anchor="ctr"/>
+          <a:lstStyle/>
+          <a:p>
+            <a:pPr algn="ctr"/>
+            <a:endParaRPr lang="ko-KR" altLang="en-US"/>
+          </a:p>
+        </p:txBody>
+      </p:sp>
+      <p:sp>
+        <p:nvSpPr>
+          <p:cNvPr id="6" name="직사각형 5">
+            <a:extLst>
+              <a:ext uri="{FF2B5EF4-FFF2-40B4-BE49-F238E27FC236}">
+                <a16:creationId xmlns:a16="http://schemas.microsoft.com/office/drawing/2014/main" id="{2C62910E-1314-4359-8329-D02C4E092075}"/>
+              </a:ext>
+            </a:extLst>
+          </p:cNvPr>
+          <p:cNvSpPr/>
+          <p:nvPr/>
+        </p:nvSpPr>
+        <p:spPr>
+          <a:xfrm>
+            <a:off x="5321790" y="3648783"/>
             <a:ext cx="1604866" cy="382555"/>
           </a:xfrm>
           <a:prstGeom prst="rect">
@@ -3710,15 +4080,15 @@
         </p:nvSpPr>
         <p:spPr>
           <a:xfrm>
-            <a:off x="5321789" y="3788936"/>
-            <a:ext cx="1604866" cy="382555"/>
+            <a:off x="7470827" y="1416597"/>
+            <a:ext cx="1049288" cy="382555"/>
           </a:xfrm>
           <a:prstGeom prst="rect">
             <a:avLst/>
           </a:prstGeom>
           <a:solidFill>
             <a:schemeClr val="bg2">
-              <a:lumMod val="75000"/>
+              <a:lumMod val="90000"/>
             </a:schemeClr>
           </a:solidFill>
           <a:ln>
@@ -3752,62 +4122,22 @@
       </p:sp>
       <p:sp>
         <p:nvSpPr>
-          <p:cNvPr id="8" name="TextBox 7">
-            <a:extLst>
-              <a:ext uri="{FF2B5EF4-FFF2-40B4-BE49-F238E27FC236}">
-                <a16:creationId xmlns:a16="http://schemas.microsoft.com/office/drawing/2014/main" id="{562BD3BD-6D37-40B6-84E0-9BBD8CE10229}"/>
-              </a:ext>
-            </a:extLst>
-          </p:cNvPr>
-          <p:cNvSpPr txBox="1"/>
+          <p:cNvPr id="2" name="타원 1">
+            <a:extLst>
+              <a:ext uri="{FF2B5EF4-FFF2-40B4-BE49-F238E27FC236}">
+                <a16:creationId xmlns:a16="http://schemas.microsoft.com/office/drawing/2014/main" id="{60A1EC28-17E7-4BC6-802E-88E4B4F3FA0A}"/>
+              </a:ext>
+            </a:extLst>
+          </p:cNvPr>
+          <p:cNvSpPr/>
           <p:nvPr/>
         </p:nvSpPr>
         <p:spPr>
           <a:xfrm>
-            <a:off x="5550389" y="1984879"/>
-            <a:ext cx="1147665" cy="382555"/>
+            <a:off x="6926656" y="1416598"/>
+            <a:ext cx="382555" cy="382555"/>
           </a:xfrm>
-          <a:prstGeom prst="rect">
-            <a:avLst/>
-          </a:prstGeom>
-          <a:noFill/>
-        </p:spPr>
-        <p:txBody>
-          <a:bodyPr wrap="square" rtlCol="0">
-            <a:spAutoFit/>
-          </a:bodyPr>
-          <a:lstStyle/>
-          <a:p>
-            <a:pPr algn="ctr"/>
-            <a:r>
-              <a:rPr lang="ko-KR" altLang="en-US" dirty="0">
-                <a:solidFill>
-                  <a:schemeClr val="bg1"/>
-                </a:solidFill>
-              </a:rPr>
-              <a:t>로그인</a:t>
-            </a:r>
-          </a:p>
-        </p:txBody>
-      </p:sp>
-      <p:sp>
-        <p:nvSpPr>
-          <p:cNvPr id="9" name="직사각형 8">
-            <a:extLst>
-              <a:ext uri="{FF2B5EF4-FFF2-40B4-BE49-F238E27FC236}">
-                <a16:creationId xmlns:a16="http://schemas.microsoft.com/office/drawing/2014/main" id="{FB5BEE14-89EA-45A5-B069-50E412C55102}"/>
-              </a:ext>
-            </a:extLst>
-          </p:cNvPr>
-          <p:cNvSpPr/>
-          <p:nvPr/>
-        </p:nvSpPr>
-        <p:spPr>
-          <a:xfrm>
-            <a:off x="5774324" y="4330874"/>
-            <a:ext cx="699796" cy="146347"/>
-          </a:xfrm>
-          <a:prstGeom prst="rect">
+          <a:prstGeom prst="ellipse">
             <a:avLst/>
           </a:prstGeom>
           <a:solidFill>
@@ -3842,10 +4172,64 @@
           </a:p>
         </p:txBody>
       </p:sp>
+      <p:sp>
+        <p:nvSpPr>
+          <p:cNvPr id="10" name="직사각형 9">
+            <a:extLst>
+              <a:ext uri="{FF2B5EF4-FFF2-40B4-BE49-F238E27FC236}">
+                <a16:creationId xmlns:a16="http://schemas.microsoft.com/office/drawing/2014/main" id="{CE656AAD-EEB6-438A-A054-923A20C49D85}"/>
+              </a:ext>
+            </a:extLst>
+          </p:cNvPr>
+          <p:cNvSpPr/>
+          <p:nvPr/>
+        </p:nvSpPr>
+        <p:spPr>
+          <a:xfrm>
+            <a:off x="3644532" y="1416597"/>
+            <a:ext cx="382555" cy="382555"/>
+          </a:xfrm>
+          <a:prstGeom prst="rect">
+            <a:avLst/>
+          </a:prstGeom>
+          <a:solidFill>
+            <a:schemeClr val="bg2">
+              <a:lumMod val="90000"/>
+            </a:schemeClr>
+          </a:solidFill>
+          <a:ln>
+            <a:noFill/>
+          </a:ln>
+        </p:spPr>
+        <p:style>
+          <a:lnRef idx="2">
+            <a:schemeClr val="accent1">
+              <a:shade val="50000"/>
+            </a:schemeClr>
+          </a:lnRef>
+          <a:fillRef idx="1">
+            <a:schemeClr val="accent1"/>
+          </a:fillRef>
+          <a:effectRef idx="0">
+            <a:schemeClr val="accent1"/>
+          </a:effectRef>
+          <a:fontRef idx="minor">
+            <a:schemeClr val="lt1"/>
+          </a:fontRef>
+        </p:style>
+        <p:txBody>
+          <a:bodyPr rtlCol="0" anchor="ctr"/>
+          <a:lstStyle/>
+          <a:p>
+            <a:pPr algn="ctr"/>
+            <a:endParaRPr lang="ko-KR" altLang="en-US"/>
+          </a:p>
+        </p:txBody>
+      </p:sp>
     </p:spTree>
     <p:extLst>
       <p:ext uri="{BB962C8B-B14F-4D97-AF65-F5344CB8AC3E}">
-        <p14:creationId xmlns:p14="http://schemas.microsoft.com/office/powerpoint/2010/main" val="3389016771"/>
+        <p14:creationId xmlns:p14="http://schemas.microsoft.com/office/powerpoint/2010/main" val="513407319"/>
       </p:ext>
     </p:extLst>
   </p:cSld>
@@ -3935,1059 +4319,665 @@
           </a:p>
         </p:txBody>
       </p:sp>
-      <p:sp>
-        <p:nvSpPr>
-          <p:cNvPr id="5" name="직사각형 4">
-            <a:extLst>
-              <a:ext uri="{FF2B5EF4-FFF2-40B4-BE49-F238E27FC236}">
-                <a16:creationId xmlns:a16="http://schemas.microsoft.com/office/drawing/2014/main" id="{A0E0EE00-615B-462E-B020-796617F2D280}"/>
-              </a:ext>
-            </a:extLst>
-          </p:cNvPr>
-          <p:cNvSpPr/>
+      <p:grpSp>
+        <p:nvGrpSpPr>
+          <p:cNvPr id="2" name="그룹 1">
+            <a:extLst>
+              <a:ext uri="{FF2B5EF4-FFF2-40B4-BE49-F238E27FC236}">
+                <a16:creationId xmlns:a16="http://schemas.microsoft.com/office/drawing/2014/main" id="{45E97E18-08A7-479E-A24C-8E3B868FEC3F}"/>
+              </a:ext>
+            </a:extLst>
+          </p:cNvPr>
+          <p:cNvGrpSpPr/>
           <p:nvPr/>
-        </p:nvSpPr>
-        <p:spPr>
+        </p:nvGrpSpPr>
+        <p:grpSpPr>
           <a:xfrm>
-            <a:off x="3510270" y="1970688"/>
-            <a:ext cx="5171460" cy="3610947"/>
+            <a:off x="3510269" y="1205687"/>
+            <a:ext cx="5171461" cy="4387794"/>
+            <a:chOff x="3510269" y="794626"/>
+            <a:chExt cx="5171461" cy="4387794"/>
           </a:xfrm>
-          <a:prstGeom prst="rect">
-            <a:avLst/>
-          </a:prstGeom>
-          <a:solidFill>
-            <a:schemeClr val="bg2">
-              <a:lumMod val="50000"/>
-            </a:schemeClr>
-          </a:solidFill>
-          <a:ln>
-            <a:noFill/>
-          </a:ln>
-        </p:spPr>
-        <p:style>
-          <a:lnRef idx="2">
-            <a:schemeClr val="accent1">
-              <a:shade val="50000"/>
-            </a:schemeClr>
-          </a:lnRef>
-          <a:fillRef idx="1">
-            <a:schemeClr val="accent1"/>
-          </a:fillRef>
-          <a:effectRef idx="0">
-            <a:schemeClr val="accent1"/>
-          </a:effectRef>
-          <a:fontRef idx="minor">
-            <a:schemeClr val="lt1"/>
-          </a:fontRef>
-        </p:style>
-        <p:txBody>
-          <a:bodyPr rtlCol="0" anchor="ctr"/>
-          <a:lstStyle/>
-          <a:p>
-            <a:pPr algn="ctr"/>
-            <a:endParaRPr lang="ko-KR" altLang="en-US"/>
-          </a:p>
-        </p:txBody>
-      </p:sp>
-      <p:sp>
-        <p:nvSpPr>
-          <p:cNvPr id="8" name="직사각형 7">
-            <a:extLst>
-              <a:ext uri="{FF2B5EF4-FFF2-40B4-BE49-F238E27FC236}">
-                <a16:creationId xmlns:a16="http://schemas.microsoft.com/office/drawing/2014/main" id="{B5AD2ACA-5FE3-4A9A-B082-C6DB871D08E0}"/>
-              </a:ext>
-            </a:extLst>
-          </p:cNvPr>
-          <p:cNvSpPr/>
-          <p:nvPr/>
-        </p:nvSpPr>
-        <p:spPr>
-          <a:xfrm>
-            <a:off x="3510271" y="1205687"/>
-            <a:ext cx="5171460" cy="804670"/>
-          </a:xfrm>
-          <a:prstGeom prst="rect">
-            <a:avLst/>
-          </a:prstGeom>
-          <a:solidFill>
-            <a:schemeClr val="bg2">
-              <a:lumMod val="75000"/>
-            </a:schemeClr>
-          </a:solidFill>
-          <a:ln>
-            <a:noFill/>
-          </a:ln>
-        </p:spPr>
-        <p:style>
-          <a:lnRef idx="2">
-            <a:schemeClr val="accent1">
-              <a:shade val="50000"/>
-            </a:schemeClr>
-          </a:lnRef>
-          <a:fillRef idx="1">
-            <a:schemeClr val="accent1"/>
-          </a:fillRef>
-          <a:effectRef idx="0">
-            <a:schemeClr val="accent1"/>
-          </a:effectRef>
-          <a:fontRef idx="minor">
-            <a:schemeClr val="lt1"/>
-          </a:fontRef>
-        </p:style>
-        <p:txBody>
-          <a:bodyPr rtlCol="0" anchor="ctr"/>
-          <a:lstStyle/>
-          <a:p>
-            <a:pPr algn="ctr"/>
-            <a:endParaRPr lang="ko-KR" altLang="en-US"/>
-          </a:p>
-        </p:txBody>
-      </p:sp>
-      <p:sp>
-        <p:nvSpPr>
-          <p:cNvPr id="6" name="직사각형 5">
-            <a:extLst>
-              <a:ext uri="{FF2B5EF4-FFF2-40B4-BE49-F238E27FC236}">
-                <a16:creationId xmlns:a16="http://schemas.microsoft.com/office/drawing/2014/main" id="{2C62910E-1314-4359-8329-D02C4E092075}"/>
-              </a:ext>
-            </a:extLst>
-          </p:cNvPr>
-          <p:cNvSpPr/>
-          <p:nvPr/>
-        </p:nvSpPr>
-        <p:spPr>
-          <a:xfrm>
-            <a:off x="5321790" y="3648783"/>
-            <a:ext cx="1604866" cy="382555"/>
-          </a:xfrm>
-          <a:prstGeom prst="rect">
-            <a:avLst/>
-          </a:prstGeom>
-          <a:solidFill>
-            <a:schemeClr val="bg2">
-              <a:lumMod val="75000"/>
-            </a:schemeClr>
-          </a:solidFill>
-          <a:ln>
-            <a:noFill/>
-          </a:ln>
-        </p:spPr>
-        <p:style>
-          <a:lnRef idx="2">
-            <a:schemeClr val="accent1">
-              <a:shade val="50000"/>
-            </a:schemeClr>
-          </a:lnRef>
-          <a:fillRef idx="1">
-            <a:schemeClr val="accent1"/>
-          </a:fillRef>
-          <a:effectRef idx="0">
-            <a:schemeClr val="accent1"/>
-          </a:effectRef>
-          <a:fontRef idx="minor">
-            <a:schemeClr val="lt1"/>
-          </a:fontRef>
-        </p:style>
-        <p:txBody>
-          <a:bodyPr rtlCol="0" anchor="ctr"/>
-          <a:lstStyle/>
-          <a:p>
-            <a:pPr algn="ctr"/>
-            <a:endParaRPr lang="ko-KR" altLang="en-US"/>
-          </a:p>
-        </p:txBody>
-      </p:sp>
-      <p:sp>
-        <p:nvSpPr>
-          <p:cNvPr id="7" name="직사각형 6">
-            <a:extLst>
-              <a:ext uri="{FF2B5EF4-FFF2-40B4-BE49-F238E27FC236}">
-                <a16:creationId xmlns:a16="http://schemas.microsoft.com/office/drawing/2014/main" id="{DBA7BF63-E3DB-4F67-81C8-CC2FCDFE655C}"/>
-              </a:ext>
-            </a:extLst>
-          </p:cNvPr>
-          <p:cNvSpPr/>
-          <p:nvPr/>
-        </p:nvSpPr>
-        <p:spPr>
-          <a:xfrm>
-            <a:off x="7470827" y="1416597"/>
-            <a:ext cx="1049288" cy="382555"/>
-          </a:xfrm>
-          <a:prstGeom prst="rect">
-            <a:avLst/>
-          </a:prstGeom>
-          <a:solidFill>
-            <a:schemeClr val="bg2">
-              <a:lumMod val="90000"/>
-            </a:schemeClr>
-          </a:solidFill>
-          <a:ln>
-            <a:noFill/>
-          </a:ln>
-        </p:spPr>
-        <p:style>
-          <a:lnRef idx="2">
-            <a:schemeClr val="accent1">
-              <a:shade val="50000"/>
-            </a:schemeClr>
-          </a:lnRef>
-          <a:fillRef idx="1">
-            <a:schemeClr val="accent1"/>
-          </a:fillRef>
-          <a:effectRef idx="0">
-            <a:schemeClr val="accent1"/>
-          </a:effectRef>
-          <a:fontRef idx="minor">
-            <a:schemeClr val="lt1"/>
-          </a:fontRef>
-        </p:style>
-        <p:txBody>
-          <a:bodyPr rtlCol="0" anchor="ctr"/>
-          <a:lstStyle/>
-          <a:p>
-            <a:pPr algn="ctr"/>
-            <a:endParaRPr lang="ko-KR" altLang="en-US"/>
-          </a:p>
-        </p:txBody>
-      </p:sp>
-      <p:sp>
-        <p:nvSpPr>
-          <p:cNvPr id="2" name="타원 1">
-            <a:extLst>
-              <a:ext uri="{FF2B5EF4-FFF2-40B4-BE49-F238E27FC236}">
-                <a16:creationId xmlns:a16="http://schemas.microsoft.com/office/drawing/2014/main" id="{60A1EC28-17E7-4BC6-802E-88E4B4F3FA0A}"/>
-              </a:ext>
-            </a:extLst>
-          </p:cNvPr>
-          <p:cNvSpPr/>
-          <p:nvPr/>
-        </p:nvSpPr>
-        <p:spPr>
-          <a:xfrm>
-            <a:off x="6926656" y="1416598"/>
-            <a:ext cx="382555" cy="382555"/>
-          </a:xfrm>
-          <a:prstGeom prst="ellipse">
-            <a:avLst/>
-          </a:prstGeom>
-          <a:solidFill>
-            <a:schemeClr val="bg2"/>
-          </a:solidFill>
-          <a:ln>
-            <a:noFill/>
-          </a:ln>
-        </p:spPr>
-        <p:style>
-          <a:lnRef idx="2">
-            <a:schemeClr val="accent1">
-              <a:shade val="50000"/>
-            </a:schemeClr>
-          </a:lnRef>
-          <a:fillRef idx="1">
-            <a:schemeClr val="accent1"/>
-          </a:fillRef>
-          <a:effectRef idx="0">
-            <a:schemeClr val="accent1"/>
-          </a:effectRef>
-          <a:fontRef idx="minor">
-            <a:schemeClr val="lt1"/>
-          </a:fontRef>
-        </p:style>
-        <p:txBody>
-          <a:bodyPr rtlCol="0" anchor="ctr"/>
-          <a:lstStyle/>
-          <a:p>
-            <a:pPr algn="ctr"/>
-            <a:endParaRPr lang="ko-KR" altLang="en-US"/>
-          </a:p>
-        </p:txBody>
-      </p:sp>
-      <p:sp>
-        <p:nvSpPr>
-          <p:cNvPr id="10" name="직사각형 9">
-            <a:extLst>
-              <a:ext uri="{FF2B5EF4-FFF2-40B4-BE49-F238E27FC236}">
-                <a16:creationId xmlns:a16="http://schemas.microsoft.com/office/drawing/2014/main" id="{CE656AAD-EEB6-438A-A054-923A20C49D85}"/>
-              </a:ext>
-            </a:extLst>
-          </p:cNvPr>
-          <p:cNvSpPr/>
-          <p:nvPr/>
-        </p:nvSpPr>
-        <p:spPr>
-          <a:xfrm>
-            <a:off x="3644532" y="1416597"/>
-            <a:ext cx="382555" cy="382555"/>
-          </a:xfrm>
-          <a:prstGeom prst="rect">
-            <a:avLst/>
-          </a:prstGeom>
-          <a:solidFill>
-            <a:schemeClr val="bg2">
-              <a:lumMod val="90000"/>
-            </a:schemeClr>
-          </a:solidFill>
-          <a:ln>
-            <a:noFill/>
-          </a:ln>
-        </p:spPr>
-        <p:style>
-          <a:lnRef idx="2">
-            <a:schemeClr val="accent1">
-              <a:shade val="50000"/>
-            </a:schemeClr>
-          </a:lnRef>
-          <a:fillRef idx="1">
-            <a:schemeClr val="accent1"/>
-          </a:fillRef>
-          <a:effectRef idx="0">
-            <a:schemeClr val="accent1"/>
-          </a:effectRef>
-          <a:fontRef idx="minor">
-            <a:schemeClr val="lt1"/>
-          </a:fontRef>
-        </p:style>
-        <p:txBody>
-          <a:bodyPr rtlCol="0" anchor="ctr"/>
-          <a:lstStyle/>
-          <a:p>
-            <a:pPr algn="ctr"/>
-            <a:endParaRPr lang="ko-KR" altLang="en-US"/>
-          </a:p>
-        </p:txBody>
-      </p:sp>
-    </p:spTree>
-    <p:extLst>
-      <p:ext uri="{BB962C8B-B14F-4D97-AF65-F5344CB8AC3E}">
-        <p14:creationId xmlns:p14="http://schemas.microsoft.com/office/powerpoint/2010/main" val="513407319"/>
-      </p:ext>
-    </p:extLst>
-  </p:cSld>
-  <p:clrMapOvr>
-    <a:masterClrMapping/>
-  </p:clrMapOvr>
-</p:sld>
-</file>
-
-<file path=ppt/slides/slide5.xml><?xml version="1.0" encoding="utf-8"?>
-<p:sld xmlns:a="http://schemas.openxmlformats.org/drawingml/2006/main" xmlns:r="http://schemas.openxmlformats.org/officeDocument/2006/relationships" xmlns:p="http://schemas.openxmlformats.org/presentationml/2006/main">
-  <p:cSld>
-    <p:bg>
-      <p:bgPr>
-        <a:solidFill>
-          <a:schemeClr val="accent1">
-            <a:lumMod val="60000"/>
-            <a:lumOff val="40000"/>
-          </a:schemeClr>
-        </a:solidFill>
-        <a:effectLst/>
-      </p:bgPr>
-    </p:bg>
-    <p:spTree>
-      <p:nvGrpSpPr>
-        <p:cNvPr id="1" name=""/>
-        <p:cNvGrpSpPr/>
-        <p:nvPr/>
-      </p:nvGrpSpPr>
-      <p:grpSpPr>
-        <a:xfrm>
-          <a:off x="0" y="0"/>
-          <a:ext cx="0" cy="0"/>
-          <a:chOff x="0" y="0"/>
-          <a:chExt cx="0" cy="0"/>
-        </a:xfrm>
-      </p:grpSpPr>
-      <p:sp>
-        <p:nvSpPr>
-          <p:cNvPr id="4" name="직사각형 3">
-            <a:extLst>
-              <a:ext uri="{FF2B5EF4-FFF2-40B4-BE49-F238E27FC236}">
-                <a16:creationId xmlns:a16="http://schemas.microsoft.com/office/drawing/2014/main" id="{BF26157F-2295-4B45-9B5F-E5AEAA8819EA}"/>
-              </a:ext>
-            </a:extLst>
-          </p:cNvPr>
-          <p:cNvSpPr/>
-          <p:nvPr/>
-        </p:nvSpPr>
-        <p:spPr>
-          <a:xfrm>
-            <a:off x="1783644" y="451556"/>
-            <a:ext cx="8681156" cy="5926666"/>
-          </a:xfrm>
-          <a:prstGeom prst="rect">
-            <a:avLst/>
-          </a:prstGeom>
-          <a:solidFill>
-            <a:schemeClr val="bg1"/>
-          </a:solidFill>
-          <a:ln>
-            <a:noFill/>
-          </a:ln>
-        </p:spPr>
-        <p:style>
-          <a:lnRef idx="2">
-            <a:schemeClr val="accent1">
-              <a:shade val="50000"/>
-            </a:schemeClr>
-          </a:lnRef>
-          <a:fillRef idx="1">
-            <a:schemeClr val="accent1"/>
-          </a:fillRef>
-          <a:effectRef idx="0">
-            <a:schemeClr val="accent1"/>
-          </a:effectRef>
-          <a:fontRef idx="minor">
-            <a:schemeClr val="lt1"/>
-          </a:fontRef>
-        </p:style>
-        <p:txBody>
-          <a:bodyPr rtlCol="0" anchor="ctr"/>
-          <a:lstStyle/>
-          <a:p>
-            <a:pPr algn="ctr"/>
-            <a:endParaRPr lang="ko-KR" altLang="en-US"/>
-          </a:p>
-        </p:txBody>
-      </p:sp>
-      <p:sp>
-        <p:nvSpPr>
-          <p:cNvPr id="5" name="직사각형 4">
-            <a:extLst>
-              <a:ext uri="{FF2B5EF4-FFF2-40B4-BE49-F238E27FC236}">
-                <a16:creationId xmlns:a16="http://schemas.microsoft.com/office/drawing/2014/main" id="{A0E0EE00-615B-462E-B020-796617F2D280}"/>
-              </a:ext>
-            </a:extLst>
-          </p:cNvPr>
-          <p:cNvSpPr/>
-          <p:nvPr/>
-        </p:nvSpPr>
-        <p:spPr>
-          <a:xfrm>
-            <a:off x="3510269" y="1559627"/>
-            <a:ext cx="5171460" cy="3610947"/>
-          </a:xfrm>
-          <a:prstGeom prst="rect">
-            <a:avLst/>
-          </a:prstGeom>
-          <a:solidFill>
-            <a:schemeClr val="bg2">
-              <a:lumMod val="50000"/>
-            </a:schemeClr>
-          </a:solidFill>
-          <a:ln>
-            <a:noFill/>
-          </a:ln>
-        </p:spPr>
-        <p:style>
-          <a:lnRef idx="2">
-            <a:schemeClr val="accent1">
-              <a:shade val="50000"/>
-            </a:schemeClr>
-          </a:lnRef>
-          <a:fillRef idx="1">
-            <a:schemeClr val="accent1"/>
-          </a:fillRef>
-          <a:effectRef idx="0">
-            <a:schemeClr val="accent1"/>
-          </a:effectRef>
-          <a:fontRef idx="minor">
-            <a:schemeClr val="lt1"/>
-          </a:fontRef>
-        </p:style>
-        <p:txBody>
-          <a:bodyPr rtlCol="0" anchor="ctr"/>
-          <a:lstStyle/>
-          <a:p>
-            <a:pPr algn="ctr"/>
-            <a:endParaRPr lang="ko-KR" altLang="en-US"/>
-          </a:p>
-        </p:txBody>
-      </p:sp>
-      <p:sp>
-        <p:nvSpPr>
-          <p:cNvPr id="9" name="직사각형 8">
-            <a:extLst>
-              <a:ext uri="{FF2B5EF4-FFF2-40B4-BE49-F238E27FC236}">
-                <a16:creationId xmlns:a16="http://schemas.microsoft.com/office/drawing/2014/main" id="{FB5BEE14-89EA-45A5-B069-50E412C55102}"/>
-              </a:ext>
-            </a:extLst>
-          </p:cNvPr>
-          <p:cNvSpPr/>
-          <p:nvPr/>
-        </p:nvSpPr>
-        <p:spPr>
-          <a:xfrm>
-            <a:off x="3665607" y="1802278"/>
-            <a:ext cx="477185" cy="129159"/>
-          </a:xfrm>
-          <a:prstGeom prst="rect">
-            <a:avLst/>
-          </a:prstGeom>
-          <a:solidFill>
-            <a:schemeClr val="bg2"/>
-          </a:solidFill>
-          <a:ln>
-            <a:noFill/>
-          </a:ln>
-        </p:spPr>
-        <p:style>
-          <a:lnRef idx="2">
-            <a:schemeClr val="accent1">
-              <a:shade val="50000"/>
-            </a:schemeClr>
-          </a:lnRef>
-          <a:fillRef idx="1">
-            <a:schemeClr val="accent1"/>
-          </a:fillRef>
-          <a:effectRef idx="0">
-            <a:schemeClr val="accent1"/>
-          </a:effectRef>
-          <a:fontRef idx="minor">
-            <a:schemeClr val="lt1"/>
-          </a:fontRef>
-        </p:style>
-        <p:txBody>
-          <a:bodyPr rtlCol="0" anchor="ctr"/>
-          <a:lstStyle/>
-          <a:p>
-            <a:pPr algn="ctr"/>
-            <a:endParaRPr lang="ko-KR" altLang="en-US"/>
-          </a:p>
-        </p:txBody>
-      </p:sp>
-      <p:sp>
-        <p:nvSpPr>
-          <p:cNvPr id="11" name="직사각형 10">
-            <a:extLst>
-              <a:ext uri="{FF2B5EF4-FFF2-40B4-BE49-F238E27FC236}">
-                <a16:creationId xmlns:a16="http://schemas.microsoft.com/office/drawing/2014/main" id="{27745BE8-A8EF-4093-BA86-1F78DE961E2E}"/>
-              </a:ext>
-            </a:extLst>
-          </p:cNvPr>
-          <p:cNvSpPr/>
-          <p:nvPr/>
-        </p:nvSpPr>
-        <p:spPr>
-          <a:xfrm>
-            <a:off x="4298129" y="1675580"/>
-            <a:ext cx="1571287" cy="358494"/>
-          </a:xfrm>
-          <a:prstGeom prst="rect">
-            <a:avLst/>
-          </a:prstGeom>
-          <a:solidFill>
-            <a:schemeClr val="bg2">
-              <a:lumMod val="75000"/>
-            </a:schemeClr>
-          </a:solidFill>
-          <a:ln>
-            <a:noFill/>
-          </a:ln>
-        </p:spPr>
-        <p:style>
-          <a:lnRef idx="2">
-            <a:schemeClr val="accent1">
-              <a:shade val="50000"/>
-            </a:schemeClr>
-          </a:lnRef>
-          <a:fillRef idx="1">
-            <a:schemeClr val="accent1"/>
-          </a:fillRef>
-          <a:effectRef idx="0">
-            <a:schemeClr val="accent1"/>
-          </a:effectRef>
-          <a:fontRef idx="minor">
-            <a:schemeClr val="lt1"/>
-          </a:fontRef>
-        </p:style>
-        <p:txBody>
-          <a:bodyPr rtlCol="0" anchor="ctr"/>
-          <a:lstStyle/>
-          <a:p>
-            <a:pPr algn="ctr"/>
-            <a:endParaRPr lang="ko-KR" altLang="en-US"/>
-          </a:p>
-        </p:txBody>
-      </p:sp>
-      <p:sp>
-        <p:nvSpPr>
-          <p:cNvPr id="12" name="직사각형 11">
-            <a:extLst>
-              <a:ext uri="{FF2B5EF4-FFF2-40B4-BE49-F238E27FC236}">
-                <a16:creationId xmlns:a16="http://schemas.microsoft.com/office/drawing/2014/main" id="{3389DB10-17A5-4905-BAB9-F5F77A219ACB}"/>
-              </a:ext>
-            </a:extLst>
-          </p:cNvPr>
-          <p:cNvSpPr/>
-          <p:nvPr/>
-        </p:nvSpPr>
-        <p:spPr>
-          <a:xfrm>
-            <a:off x="8110432" y="2645143"/>
-            <a:ext cx="477185" cy="129159"/>
-          </a:xfrm>
-          <a:prstGeom prst="rect">
-            <a:avLst/>
-          </a:prstGeom>
-          <a:solidFill>
-            <a:schemeClr val="bg2"/>
-          </a:solidFill>
-          <a:ln>
-            <a:noFill/>
-          </a:ln>
-        </p:spPr>
-        <p:style>
-          <a:lnRef idx="2">
-            <a:schemeClr val="accent1">
-              <a:shade val="50000"/>
-            </a:schemeClr>
-          </a:lnRef>
-          <a:fillRef idx="1">
-            <a:schemeClr val="accent1"/>
-          </a:fillRef>
-          <a:effectRef idx="0">
-            <a:schemeClr val="accent1"/>
-          </a:effectRef>
-          <a:fontRef idx="minor">
-            <a:schemeClr val="lt1"/>
-          </a:fontRef>
-        </p:style>
-        <p:txBody>
-          <a:bodyPr rtlCol="0" anchor="ctr"/>
-          <a:lstStyle/>
-          <a:p>
-            <a:pPr algn="ctr"/>
-            <a:endParaRPr lang="ko-KR" altLang="en-US"/>
-          </a:p>
-        </p:txBody>
-      </p:sp>
-      <p:sp>
-        <p:nvSpPr>
-          <p:cNvPr id="14" name="직사각형 13">
-            <a:extLst>
-              <a:ext uri="{FF2B5EF4-FFF2-40B4-BE49-F238E27FC236}">
-                <a16:creationId xmlns:a16="http://schemas.microsoft.com/office/drawing/2014/main" id="{7B6E54EF-C3F9-48CD-AAF9-3361231EE3E1}"/>
-              </a:ext>
-            </a:extLst>
-          </p:cNvPr>
-          <p:cNvSpPr/>
-          <p:nvPr/>
-        </p:nvSpPr>
-        <p:spPr>
-          <a:xfrm>
-            <a:off x="6371855" y="2518408"/>
-            <a:ext cx="1571287" cy="358494"/>
-          </a:xfrm>
-          <a:prstGeom prst="rect">
-            <a:avLst/>
-          </a:prstGeom>
-          <a:solidFill>
-            <a:schemeClr val="bg2">
-              <a:lumMod val="75000"/>
-            </a:schemeClr>
-          </a:solidFill>
-          <a:ln>
-            <a:noFill/>
-          </a:ln>
-        </p:spPr>
-        <p:style>
-          <a:lnRef idx="2">
-            <a:schemeClr val="accent1">
-              <a:shade val="50000"/>
-            </a:schemeClr>
-          </a:lnRef>
-          <a:fillRef idx="1">
-            <a:schemeClr val="accent1"/>
-          </a:fillRef>
-          <a:effectRef idx="0">
-            <a:schemeClr val="accent1"/>
-          </a:effectRef>
-          <a:fontRef idx="minor">
-            <a:schemeClr val="lt1"/>
-          </a:fontRef>
-        </p:style>
-        <p:txBody>
-          <a:bodyPr rtlCol="0" anchor="ctr"/>
-          <a:lstStyle/>
-          <a:p>
-            <a:pPr algn="ctr"/>
-            <a:endParaRPr lang="ko-KR" altLang="en-US"/>
-          </a:p>
-        </p:txBody>
-      </p:sp>
-      <p:sp>
-        <p:nvSpPr>
-          <p:cNvPr id="16" name="직사각형 15">
-            <a:extLst>
-              <a:ext uri="{FF2B5EF4-FFF2-40B4-BE49-F238E27FC236}">
-                <a16:creationId xmlns:a16="http://schemas.microsoft.com/office/drawing/2014/main" id="{656264A2-5C51-4CF0-9528-6C0CEE560FB9}"/>
-              </a:ext>
-            </a:extLst>
-          </p:cNvPr>
-          <p:cNvSpPr/>
-          <p:nvPr/>
-        </p:nvSpPr>
-        <p:spPr>
-          <a:xfrm>
-            <a:off x="3510269" y="4522776"/>
-            <a:ext cx="5171460" cy="659644"/>
-          </a:xfrm>
-          <a:prstGeom prst="rect">
-            <a:avLst/>
-          </a:prstGeom>
-          <a:solidFill>
-            <a:schemeClr val="bg2">
-              <a:lumMod val="75000"/>
-            </a:schemeClr>
-          </a:solidFill>
-          <a:ln>
-            <a:noFill/>
-          </a:ln>
-        </p:spPr>
-        <p:style>
-          <a:lnRef idx="2">
-            <a:schemeClr val="accent1">
-              <a:shade val="50000"/>
-            </a:schemeClr>
-          </a:lnRef>
-          <a:fillRef idx="1">
-            <a:schemeClr val="accent1"/>
-          </a:fillRef>
-          <a:effectRef idx="0">
-            <a:schemeClr val="accent1"/>
-          </a:effectRef>
-          <a:fontRef idx="minor">
-            <a:schemeClr val="lt1"/>
-          </a:fontRef>
-        </p:style>
-        <p:txBody>
-          <a:bodyPr rtlCol="0" anchor="ctr"/>
-          <a:lstStyle/>
-          <a:p>
-            <a:pPr algn="ctr"/>
-            <a:endParaRPr lang="ko-KR" altLang="en-US"/>
-          </a:p>
-        </p:txBody>
-      </p:sp>
-      <p:sp>
-        <p:nvSpPr>
-          <p:cNvPr id="19" name="직사각형 18">
-            <a:extLst>
-              <a:ext uri="{FF2B5EF4-FFF2-40B4-BE49-F238E27FC236}">
-                <a16:creationId xmlns:a16="http://schemas.microsoft.com/office/drawing/2014/main" id="{B340427D-3B34-4B36-8197-85BB10CB901E}"/>
-              </a:ext>
-            </a:extLst>
-          </p:cNvPr>
-          <p:cNvSpPr/>
-          <p:nvPr/>
-        </p:nvSpPr>
-        <p:spPr>
-          <a:xfrm>
-            <a:off x="3742817" y="4626343"/>
-            <a:ext cx="4041479" cy="440179"/>
-          </a:xfrm>
-          <a:prstGeom prst="rect">
-            <a:avLst/>
-          </a:prstGeom>
-          <a:solidFill>
-            <a:schemeClr val="bg2"/>
-          </a:solidFill>
-          <a:ln>
-            <a:noFill/>
-          </a:ln>
-        </p:spPr>
-        <p:style>
-          <a:lnRef idx="2">
-            <a:schemeClr val="accent1">
-              <a:shade val="50000"/>
-            </a:schemeClr>
-          </a:lnRef>
-          <a:fillRef idx="1">
-            <a:schemeClr val="accent1"/>
-          </a:fillRef>
-          <a:effectRef idx="0">
-            <a:schemeClr val="accent1"/>
-          </a:effectRef>
-          <a:fontRef idx="minor">
-            <a:schemeClr val="lt1"/>
-          </a:fontRef>
-        </p:style>
-        <p:txBody>
-          <a:bodyPr rtlCol="0" anchor="ctr"/>
-          <a:lstStyle/>
-          <a:p>
-            <a:pPr algn="ctr"/>
-            <a:endParaRPr lang="ko-KR" altLang="en-US"/>
-          </a:p>
-        </p:txBody>
-      </p:sp>
-      <p:sp>
-        <p:nvSpPr>
-          <p:cNvPr id="21" name="직사각형 20">
-            <a:extLst>
-              <a:ext uri="{FF2B5EF4-FFF2-40B4-BE49-F238E27FC236}">
-                <a16:creationId xmlns:a16="http://schemas.microsoft.com/office/drawing/2014/main" id="{2EBCE58F-3A93-460B-8BBE-7361DF951151}"/>
-              </a:ext>
-            </a:extLst>
-          </p:cNvPr>
-          <p:cNvSpPr/>
-          <p:nvPr/>
-        </p:nvSpPr>
-        <p:spPr>
-          <a:xfrm>
-            <a:off x="7942189" y="4626343"/>
-            <a:ext cx="557999" cy="440179"/>
-          </a:xfrm>
-          <a:prstGeom prst="rect">
-            <a:avLst/>
-          </a:prstGeom>
-          <a:solidFill>
-            <a:schemeClr val="bg2"/>
-          </a:solidFill>
-          <a:ln>
-            <a:noFill/>
-          </a:ln>
-        </p:spPr>
-        <p:style>
-          <a:lnRef idx="2">
-            <a:schemeClr val="accent1">
-              <a:shade val="50000"/>
-            </a:schemeClr>
-          </a:lnRef>
-          <a:fillRef idx="1">
-            <a:schemeClr val="accent1"/>
-          </a:fillRef>
-          <a:effectRef idx="0">
-            <a:schemeClr val="accent1"/>
-          </a:effectRef>
-          <a:fontRef idx="minor">
-            <a:schemeClr val="lt1"/>
-          </a:fontRef>
-        </p:style>
-        <p:txBody>
-          <a:bodyPr rtlCol="0" anchor="ctr"/>
-          <a:lstStyle/>
-          <a:p>
-            <a:pPr algn="ctr"/>
-            <a:endParaRPr lang="ko-KR" altLang="en-US"/>
-          </a:p>
-        </p:txBody>
-      </p:sp>
-      <p:sp>
-        <p:nvSpPr>
-          <p:cNvPr id="15" name="직사각형 14">
-            <a:extLst>
-              <a:ext uri="{FF2B5EF4-FFF2-40B4-BE49-F238E27FC236}">
-                <a16:creationId xmlns:a16="http://schemas.microsoft.com/office/drawing/2014/main" id="{FD832C0E-5F06-43D9-9A78-331FE0988218}"/>
-              </a:ext>
-            </a:extLst>
-          </p:cNvPr>
-          <p:cNvSpPr/>
-          <p:nvPr/>
-        </p:nvSpPr>
-        <p:spPr>
-          <a:xfrm>
-            <a:off x="3510270" y="794626"/>
-            <a:ext cx="5171460" cy="804670"/>
-          </a:xfrm>
-          <a:prstGeom prst="rect">
-            <a:avLst/>
-          </a:prstGeom>
-          <a:solidFill>
-            <a:schemeClr val="bg2">
-              <a:lumMod val="75000"/>
-            </a:schemeClr>
-          </a:solidFill>
-          <a:ln>
-            <a:noFill/>
-          </a:ln>
-        </p:spPr>
-        <p:style>
-          <a:lnRef idx="2">
-            <a:schemeClr val="accent1">
-              <a:shade val="50000"/>
-            </a:schemeClr>
-          </a:lnRef>
-          <a:fillRef idx="1">
-            <a:schemeClr val="accent1"/>
-          </a:fillRef>
-          <a:effectRef idx="0">
-            <a:schemeClr val="accent1"/>
-          </a:effectRef>
-          <a:fontRef idx="minor">
-            <a:schemeClr val="lt1"/>
-          </a:fontRef>
-        </p:style>
-        <p:txBody>
-          <a:bodyPr rtlCol="0" anchor="ctr"/>
-          <a:lstStyle/>
-          <a:p>
-            <a:pPr algn="ctr"/>
-            <a:endParaRPr lang="ko-KR" altLang="en-US"/>
-          </a:p>
-        </p:txBody>
-      </p:sp>
-      <p:sp>
-        <p:nvSpPr>
-          <p:cNvPr id="17" name="직사각형 16">
-            <a:extLst>
-              <a:ext uri="{FF2B5EF4-FFF2-40B4-BE49-F238E27FC236}">
-                <a16:creationId xmlns:a16="http://schemas.microsoft.com/office/drawing/2014/main" id="{4C1F3F2E-A4BC-4AD6-BCFC-B050B4B68160}"/>
-              </a:ext>
-            </a:extLst>
-          </p:cNvPr>
-          <p:cNvSpPr/>
-          <p:nvPr/>
-        </p:nvSpPr>
-        <p:spPr>
-          <a:xfrm>
-            <a:off x="7470826" y="1005536"/>
-            <a:ext cx="1049288" cy="382555"/>
-          </a:xfrm>
-          <a:prstGeom prst="rect">
-            <a:avLst/>
-          </a:prstGeom>
-          <a:solidFill>
-            <a:schemeClr val="bg2">
-              <a:lumMod val="90000"/>
-            </a:schemeClr>
-          </a:solidFill>
-          <a:ln>
-            <a:noFill/>
-          </a:ln>
-        </p:spPr>
-        <p:style>
-          <a:lnRef idx="2">
-            <a:schemeClr val="accent1">
-              <a:shade val="50000"/>
-            </a:schemeClr>
-          </a:lnRef>
-          <a:fillRef idx="1">
-            <a:schemeClr val="accent1"/>
-          </a:fillRef>
-          <a:effectRef idx="0">
-            <a:schemeClr val="accent1"/>
-          </a:effectRef>
-          <a:fontRef idx="minor">
-            <a:schemeClr val="lt1"/>
-          </a:fontRef>
-        </p:style>
-        <p:txBody>
-          <a:bodyPr rtlCol="0" anchor="ctr"/>
-          <a:lstStyle/>
-          <a:p>
-            <a:pPr algn="ctr"/>
-            <a:endParaRPr lang="ko-KR" altLang="en-US"/>
-          </a:p>
-        </p:txBody>
-      </p:sp>
-      <p:sp>
-        <p:nvSpPr>
-          <p:cNvPr id="18" name="타원 17">
-            <a:extLst>
-              <a:ext uri="{FF2B5EF4-FFF2-40B4-BE49-F238E27FC236}">
-                <a16:creationId xmlns:a16="http://schemas.microsoft.com/office/drawing/2014/main" id="{8E1D84D6-68B8-41BF-B2D4-934F6E1DA320}"/>
-              </a:ext>
-            </a:extLst>
-          </p:cNvPr>
-          <p:cNvSpPr/>
-          <p:nvPr/>
-        </p:nvSpPr>
-        <p:spPr>
-          <a:xfrm>
-            <a:off x="6926655" y="1005537"/>
-            <a:ext cx="382555" cy="382555"/>
-          </a:xfrm>
-          <a:prstGeom prst="ellipse">
-            <a:avLst/>
-          </a:prstGeom>
-          <a:solidFill>
-            <a:schemeClr val="bg2"/>
-          </a:solidFill>
-          <a:ln>
-            <a:noFill/>
-          </a:ln>
-        </p:spPr>
-        <p:style>
-          <a:lnRef idx="2">
-            <a:schemeClr val="accent1">
-              <a:shade val="50000"/>
-            </a:schemeClr>
-          </a:lnRef>
-          <a:fillRef idx="1">
-            <a:schemeClr val="accent1"/>
-          </a:fillRef>
-          <a:effectRef idx="0">
-            <a:schemeClr val="accent1"/>
-          </a:effectRef>
-          <a:fontRef idx="minor">
-            <a:schemeClr val="lt1"/>
-          </a:fontRef>
-        </p:style>
-        <p:txBody>
-          <a:bodyPr rtlCol="0" anchor="ctr"/>
-          <a:lstStyle/>
-          <a:p>
-            <a:pPr algn="ctr"/>
-            <a:endParaRPr lang="ko-KR" altLang="en-US"/>
-          </a:p>
-        </p:txBody>
-      </p:sp>
-      <p:sp>
-        <p:nvSpPr>
-          <p:cNvPr id="20" name="직사각형 19">
-            <a:extLst>
-              <a:ext uri="{FF2B5EF4-FFF2-40B4-BE49-F238E27FC236}">
-                <a16:creationId xmlns:a16="http://schemas.microsoft.com/office/drawing/2014/main" id="{B549AB3F-1B5D-4385-89C5-2ED772EF5981}"/>
-              </a:ext>
-            </a:extLst>
-          </p:cNvPr>
-          <p:cNvSpPr/>
-          <p:nvPr/>
-        </p:nvSpPr>
-        <p:spPr>
-          <a:xfrm>
-            <a:off x="3644531" y="1005536"/>
-            <a:ext cx="382555" cy="382555"/>
-          </a:xfrm>
-          <a:prstGeom prst="rect">
-            <a:avLst/>
-          </a:prstGeom>
-          <a:solidFill>
-            <a:schemeClr val="bg2">
-              <a:lumMod val="90000"/>
-            </a:schemeClr>
-          </a:solidFill>
-          <a:ln>
-            <a:noFill/>
-          </a:ln>
-        </p:spPr>
-        <p:style>
-          <a:lnRef idx="2">
-            <a:schemeClr val="accent1">
-              <a:shade val="50000"/>
-            </a:schemeClr>
-          </a:lnRef>
-          <a:fillRef idx="1">
-            <a:schemeClr val="accent1"/>
-          </a:fillRef>
-          <a:effectRef idx="0">
-            <a:schemeClr val="accent1"/>
-          </a:effectRef>
-          <a:fontRef idx="minor">
-            <a:schemeClr val="lt1"/>
-          </a:fontRef>
-        </p:style>
-        <p:txBody>
-          <a:bodyPr rtlCol="0" anchor="ctr"/>
-          <a:lstStyle/>
-          <a:p>
-            <a:pPr algn="ctr"/>
-            <a:endParaRPr lang="ko-KR" altLang="en-US"/>
-          </a:p>
-        </p:txBody>
-      </p:sp>
+        </p:grpSpPr>
+        <p:sp>
+          <p:nvSpPr>
+            <p:cNvPr id="5" name="직사각형 4">
+              <a:extLst>
+                <a:ext uri="{FF2B5EF4-FFF2-40B4-BE49-F238E27FC236}">
+                  <a16:creationId xmlns:a16="http://schemas.microsoft.com/office/drawing/2014/main" id="{A0E0EE00-615B-462E-B020-796617F2D280}"/>
+                </a:ext>
+              </a:extLst>
+            </p:cNvPr>
+            <p:cNvSpPr/>
+            <p:nvPr/>
+          </p:nvSpPr>
+          <p:spPr>
+            <a:xfrm>
+              <a:off x="3510269" y="1559627"/>
+              <a:ext cx="5171460" cy="3610947"/>
+            </a:xfrm>
+            <a:prstGeom prst="rect">
+              <a:avLst/>
+            </a:prstGeom>
+            <a:solidFill>
+              <a:schemeClr val="bg2">
+                <a:lumMod val="50000"/>
+              </a:schemeClr>
+            </a:solidFill>
+            <a:ln>
+              <a:noFill/>
+            </a:ln>
+          </p:spPr>
+          <p:style>
+            <a:lnRef idx="2">
+              <a:schemeClr val="accent1">
+                <a:shade val="50000"/>
+              </a:schemeClr>
+            </a:lnRef>
+            <a:fillRef idx="1">
+              <a:schemeClr val="accent1"/>
+            </a:fillRef>
+            <a:effectRef idx="0">
+              <a:schemeClr val="accent1"/>
+            </a:effectRef>
+            <a:fontRef idx="minor">
+              <a:schemeClr val="lt1"/>
+            </a:fontRef>
+          </p:style>
+          <p:txBody>
+            <a:bodyPr rtlCol="0" anchor="ctr"/>
+            <a:lstStyle/>
+            <a:p>
+              <a:pPr algn="ctr"/>
+              <a:endParaRPr lang="ko-KR" altLang="en-US"/>
+            </a:p>
+          </p:txBody>
+        </p:sp>
+        <p:sp>
+          <p:nvSpPr>
+            <p:cNvPr id="9" name="직사각형 8">
+              <a:extLst>
+                <a:ext uri="{FF2B5EF4-FFF2-40B4-BE49-F238E27FC236}">
+                  <a16:creationId xmlns:a16="http://schemas.microsoft.com/office/drawing/2014/main" id="{FB5BEE14-89EA-45A5-B069-50E412C55102}"/>
+                </a:ext>
+              </a:extLst>
+            </p:cNvPr>
+            <p:cNvSpPr/>
+            <p:nvPr/>
+          </p:nvSpPr>
+          <p:spPr>
+            <a:xfrm>
+              <a:off x="3665607" y="1802278"/>
+              <a:ext cx="477185" cy="129159"/>
+            </a:xfrm>
+            <a:prstGeom prst="rect">
+              <a:avLst/>
+            </a:prstGeom>
+            <a:solidFill>
+              <a:schemeClr val="bg2"/>
+            </a:solidFill>
+            <a:ln>
+              <a:noFill/>
+            </a:ln>
+          </p:spPr>
+          <p:style>
+            <a:lnRef idx="2">
+              <a:schemeClr val="accent1">
+                <a:shade val="50000"/>
+              </a:schemeClr>
+            </a:lnRef>
+            <a:fillRef idx="1">
+              <a:schemeClr val="accent1"/>
+            </a:fillRef>
+            <a:effectRef idx="0">
+              <a:schemeClr val="accent1"/>
+            </a:effectRef>
+            <a:fontRef idx="minor">
+              <a:schemeClr val="lt1"/>
+            </a:fontRef>
+          </p:style>
+          <p:txBody>
+            <a:bodyPr rtlCol="0" anchor="ctr"/>
+            <a:lstStyle/>
+            <a:p>
+              <a:pPr algn="ctr"/>
+              <a:endParaRPr lang="ko-KR" altLang="en-US"/>
+            </a:p>
+          </p:txBody>
+        </p:sp>
+        <p:sp>
+          <p:nvSpPr>
+            <p:cNvPr id="11" name="직사각형 10">
+              <a:extLst>
+                <a:ext uri="{FF2B5EF4-FFF2-40B4-BE49-F238E27FC236}">
+                  <a16:creationId xmlns:a16="http://schemas.microsoft.com/office/drawing/2014/main" id="{27745BE8-A8EF-4093-BA86-1F78DE961E2E}"/>
+                </a:ext>
+              </a:extLst>
+            </p:cNvPr>
+            <p:cNvSpPr/>
+            <p:nvPr/>
+          </p:nvSpPr>
+          <p:spPr>
+            <a:xfrm>
+              <a:off x="4298129" y="1675580"/>
+              <a:ext cx="1571287" cy="358494"/>
+            </a:xfrm>
+            <a:prstGeom prst="rect">
+              <a:avLst/>
+            </a:prstGeom>
+            <a:solidFill>
+              <a:schemeClr val="bg2">
+                <a:lumMod val="75000"/>
+              </a:schemeClr>
+            </a:solidFill>
+            <a:ln>
+              <a:noFill/>
+            </a:ln>
+          </p:spPr>
+          <p:style>
+            <a:lnRef idx="2">
+              <a:schemeClr val="accent1">
+                <a:shade val="50000"/>
+              </a:schemeClr>
+            </a:lnRef>
+            <a:fillRef idx="1">
+              <a:schemeClr val="accent1"/>
+            </a:fillRef>
+            <a:effectRef idx="0">
+              <a:schemeClr val="accent1"/>
+            </a:effectRef>
+            <a:fontRef idx="minor">
+              <a:schemeClr val="lt1"/>
+            </a:fontRef>
+          </p:style>
+          <p:txBody>
+            <a:bodyPr rtlCol="0" anchor="ctr"/>
+            <a:lstStyle/>
+            <a:p>
+              <a:pPr algn="ctr"/>
+              <a:endParaRPr lang="ko-KR" altLang="en-US"/>
+            </a:p>
+          </p:txBody>
+        </p:sp>
+        <p:sp>
+          <p:nvSpPr>
+            <p:cNvPr id="12" name="직사각형 11">
+              <a:extLst>
+                <a:ext uri="{FF2B5EF4-FFF2-40B4-BE49-F238E27FC236}">
+                  <a16:creationId xmlns:a16="http://schemas.microsoft.com/office/drawing/2014/main" id="{3389DB10-17A5-4905-BAB9-F5F77A219ACB}"/>
+                </a:ext>
+              </a:extLst>
+            </p:cNvPr>
+            <p:cNvSpPr/>
+            <p:nvPr/>
+          </p:nvSpPr>
+          <p:spPr>
+            <a:xfrm>
+              <a:off x="8110432" y="2645143"/>
+              <a:ext cx="477185" cy="129159"/>
+            </a:xfrm>
+            <a:prstGeom prst="rect">
+              <a:avLst/>
+            </a:prstGeom>
+            <a:solidFill>
+              <a:schemeClr val="bg2"/>
+            </a:solidFill>
+            <a:ln>
+              <a:noFill/>
+            </a:ln>
+          </p:spPr>
+          <p:style>
+            <a:lnRef idx="2">
+              <a:schemeClr val="accent1">
+                <a:shade val="50000"/>
+              </a:schemeClr>
+            </a:lnRef>
+            <a:fillRef idx="1">
+              <a:schemeClr val="accent1"/>
+            </a:fillRef>
+            <a:effectRef idx="0">
+              <a:schemeClr val="accent1"/>
+            </a:effectRef>
+            <a:fontRef idx="minor">
+              <a:schemeClr val="lt1"/>
+            </a:fontRef>
+          </p:style>
+          <p:txBody>
+            <a:bodyPr rtlCol="0" anchor="ctr"/>
+            <a:lstStyle/>
+            <a:p>
+              <a:pPr algn="ctr"/>
+              <a:endParaRPr lang="ko-KR" altLang="en-US"/>
+            </a:p>
+          </p:txBody>
+        </p:sp>
+        <p:sp>
+          <p:nvSpPr>
+            <p:cNvPr id="14" name="직사각형 13">
+              <a:extLst>
+                <a:ext uri="{FF2B5EF4-FFF2-40B4-BE49-F238E27FC236}">
+                  <a16:creationId xmlns:a16="http://schemas.microsoft.com/office/drawing/2014/main" id="{7B6E54EF-C3F9-48CD-AAF9-3361231EE3E1}"/>
+                </a:ext>
+              </a:extLst>
+            </p:cNvPr>
+            <p:cNvSpPr/>
+            <p:nvPr/>
+          </p:nvSpPr>
+          <p:spPr>
+            <a:xfrm>
+              <a:off x="6371855" y="2518408"/>
+              <a:ext cx="1571287" cy="358494"/>
+            </a:xfrm>
+            <a:prstGeom prst="rect">
+              <a:avLst/>
+            </a:prstGeom>
+            <a:solidFill>
+              <a:schemeClr val="bg2">
+                <a:lumMod val="75000"/>
+              </a:schemeClr>
+            </a:solidFill>
+            <a:ln>
+              <a:noFill/>
+            </a:ln>
+          </p:spPr>
+          <p:style>
+            <a:lnRef idx="2">
+              <a:schemeClr val="accent1">
+                <a:shade val="50000"/>
+              </a:schemeClr>
+            </a:lnRef>
+            <a:fillRef idx="1">
+              <a:schemeClr val="accent1"/>
+            </a:fillRef>
+            <a:effectRef idx="0">
+              <a:schemeClr val="accent1"/>
+            </a:effectRef>
+            <a:fontRef idx="minor">
+              <a:schemeClr val="lt1"/>
+            </a:fontRef>
+          </p:style>
+          <p:txBody>
+            <a:bodyPr rtlCol="0" anchor="ctr"/>
+            <a:lstStyle/>
+            <a:p>
+              <a:pPr algn="ctr"/>
+              <a:endParaRPr lang="ko-KR" altLang="en-US"/>
+            </a:p>
+          </p:txBody>
+        </p:sp>
+        <p:sp>
+          <p:nvSpPr>
+            <p:cNvPr id="16" name="직사각형 15">
+              <a:extLst>
+                <a:ext uri="{FF2B5EF4-FFF2-40B4-BE49-F238E27FC236}">
+                  <a16:creationId xmlns:a16="http://schemas.microsoft.com/office/drawing/2014/main" id="{656264A2-5C51-4CF0-9528-6C0CEE560FB9}"/>
+                </a:ext>
+              </a:extLst>
+            </p:cNvPr>
+            <p:cNvSpPr/>
+            <p:nvPr/>
+          </p:nvSpPr>
+          <p:spPr>
+            <a:xfrm>
+              <a:off x="3510269" y="4522776"/>
+              <a:ext cx="5171460" cy="659644"/>
+            </a:xfrm>
+            <a:prstGeom prst="rect">
+              <a:avLst/>
+            </a:prstGeom>
+            <a:solidFill>
+              <a:schemeClr val="bg2">
+                <a:lumMod val="75000"/>
+              </a:schemeClr>
+            </a:solidFill>
+            <a:ln>
+              <a:noFill/>
+            </a:ln>
+          </p:spPr>
+          <p:style>
+            <a:lnRef idx="2">
+              <a:schemeClr val="accent1">
+                <a:shade val="50000"/>
+              </a:schemeClr>
+            </a:lnRef>
+            <a:fillRef idx="1">
+              <a:schemeClr val="accent1"/>
+            </a:fillRef>
+            <a:effectRef idx="0">
+              <a:schemeClr val="accent1"/>
+            </a:effectRef>
+            <a:fontRef idx="minor">
+              <a:schemeClr val="lt1"/>
+            </a:fontRef>
+          </p:style>
+          <p:txBody>
+            <a:bodyPr rtlCol="0" anchor="ctr"/>
+            <a:lstStyle/>
+            <a:p>
+              <a:pPr algn="ctr"/>
+              <a:endParaRPr lang="ko-KR" altLang="en-US"/>
+            </a:p>
+          </p:txBody>
+        </p:sp>
+        <p:sp>
+          <p:nvSpPr>
+            <p:cNvPr id="19" name="직사각형 18">
+              <a:extLst>
+                <a:ext uri="{FF2B5EF4-FFF2-40B4-BE49-F238E27FC236}">
+                  <a16:creationId xmlns:a16="http://schemas.microsoft.com/office/drawing/2014/main" id="{B340427D-3B34-4B36-8197-85BB10CB901E}"/>
+                </a:ext>
+              </a:extLst>
+            </p:cNvPr>
+            <p:cNvSpPr/>
+            <p:nvPr/>
+          </p:nvSpPr>
+          <p:spPr>
+            <a:xfrm>
+              <a:off x="3742817" y="4626343"/>
+              <a:ext cx="4041479" cy="440179"/>
+            </a:xfrm>
+            <a:prstGeom prst="rect">
+              <a:avLst/>
+            </a:prstGeom>
+            <a:solidFill>
+              <a:schemeClr val="bg2"/>
+            </a:solidFill>
+            <a:ln>
+              <a:noFill/>
+            </a:ln>
+          </p:spPr>
+          <p:style>
+            <a:lnRef idx="2">
+              <a:schemeClr val="accent1">
+                <a:shade val="50000"/>
+              </a:schemeClr>
+            </a:lnRef>
+            <a:fillRef idx="1">
+              <a:schemeClr val="accent1"/>
+            </a:fillRef>
+            <a:effectRef idx="0">
+              <a:schemeClr val="accent1"/>
+            </a:effectRef>
+            <a:fontRef idx="minor">
+              <a:schemeClr val="lt1"/>
+            </a:fontRef>
+          </p:style>
+          <p:txBody>
+            <a:bodyPr rtlCol="0" anchor="ctr"/>
+            <a:lstStyle/>
+            <a:p>
+              <a:pPr algn="ctr"/>
+              <a:endParaRPr lang="ko-KR" altLang="en-US"/>
+            </a:p>
+          </p:txBody>
+        </p:sp>
+        <p:sp>
+          <p:nvSpPr>
+            <p:cNvPr id="21" name="직사각형 20">
+              <a:extLst>
+                <a:ext uri="{FF2B5EF4-FFF2-40B4-BE49-F238E27FC236}">
+                  <a16:creationId xmlns:a16="http://schemas.microsoft.com/office/drawing/2014/main" id="{2EBCE58F-3A93-460B-8BBE-7361DF951151}"/>
+                </a:ext>
+              </a:extLst>
+            </p:cNvPr>
+            <p:cNvSpPr/>
+            <p:nvPr/>
+          </p:nvSpPr>
+          <p:spPr>
+            <a:xfrm>
+              <a:off x="7942189" y="4626343"/>
+              <a:ext cx="557999" cy="440179"/>
+            </a:xfrm>
+            <a:prstGeom prst="rect">
+              <a:avLst/>
+            </a:prstGeom>
+            <a:solidFill>
+              <a:schemeClr val="bg2"/>
+            </a:solidFill>
+            <a:ln>
+              <a:noFill/>
+            </a:ln>
+          </p:spPr>
+          <p:style>
+            <a:lnRef idx="2">
+              <a:schemeClr val="accent1">
+                <a:shade val="50000"/>
+              </a:schemeClr>
+            </a:lnRef>
+            <a:fillRef idx="1">
+              <a:schemeClr val="accent1"/>
+            </a:fillRef>
+            <a:effectRef idx="0">
+              <a:schemeClr val="accent1"/>
+            </a:effectRef>
+            <a:fontRef idx="minor">
+              <a:schemeClr val="lt1"/>
+            </a:fontRef>
+          </p:style>
+          <p:txBody>
+            <a:bodyPr rtlCol="0" anchor="ctr"/>
+            <a:lstStyle/>
+            <a:p>
+              <a:pPr algn="ctr"/>
+              <a:endParaRPr lang="ko-KR" altLang="en-US"/>
+            </a:p>
+          </p:txBody>
+        </p:sp>
+        <p:sp>
+          <p:nvSpPr>
+            <p:cNvPr id="15" name="직사각형 14">
+              <a:extLst>
+                <a:ext uri="{FF2B5EF4-FFF2-40B4-BE49-F238E27FC236}">
+                  <a16:creationId xmlns:a16="http://schemas.microsoft.com/office/drawing/2014/main" id="{FD832C0E-5F06-43D9-9A78-331FE0988218}"/>
+                </a:ext>
+              </a:extLst>
+            </p:cNvPr>
+            <p:cNvSpPr/>
+            <p:nvPr/>
+          </p:nvSpPr>
+          <p:spPr>
+            <a:xfrm>
+              <a:off x="3510270" y="794626"/>
+              <a:ext cx="5171460" cy="804670"/>
+            </a:xfrm>
+            <a:prstGeom prst="rect">
+              <a:avLst/>
+            </a:prstGeom>
+            <a:solidFill>
+              <a:schemeClr val="bg2">
+                <a:lumMod val="75000"/>
+              </a:schemeClr>
+            </a:solidFill>
+            <a:ln>
+              <a:noFill/>
+            </a:ln>
+          </p:spPr>
+          <p:style>
+            <a:lnRef idx="2">
+              <a:schemeClr val="accent1">
+                <a:shade val="50000"/>
+              </a:schemeClr>
+            </a:lnRef>
+            <a:fillRef idx="1">
+              <a:schemeClr val="accent1"/>
+            </a:fillRef>
+            <a:effectRef idx="0">
+              <a:schemeClr val="accent1"/>
+            </a:effectRef>
+            <a:fontRef idx="minor">
+              <a:schemeClr val="lt1"/>
+            </a:fontRef>
+          </p:style>
+          <p:txBody>
+            <a:bodyPr rtlCol="0" anchor="ctr"/>
+            <a:lstStyle/>
+            <a:p>
+              <a:pPr algn="ctr"/>
+              <a:endParaRPr lang="ko-KR" altLang="en-US"/>
+            </a:p>
+          </p:txBody>
+        </p:sp>
+        <p:sp>
+          <p:nvSpPr>
+            <p:cNvPr id="17" name="직사각형 16">
+              <a:extLst>
+                <a:ext uri="{FF2B5EF4-FFF2-40B4-BE49-F238E27FC236}">
+                  <a16:creationId xmlns:a16="http://schemas.microsoft.com/office/drawing/2014/main" id="{4C1F3F2E-A4BC-4AD6-BCFC-B050B4B68160}"/>
+                </a:ext>
+              </a:extLst>
+            </p:cNvPr>
+            <p:cNvSpPr/>
+            <p:nvPr/>
+          </p:nvSpPr>
+          <p:spPr>
+            <a:xfrm>
+              <a:off x="7470826" y="1005536"/>
+              <a:ext cx="1049288" cy="382555"/>
+            </a:xfrm>
+            <a:prstGeom prst="rect">
+              <a:avLst/>
+            </a:prstGeom>
+            <a:solidFill>
+              <a:schemeClr val="bg2">
+                <a:lumMod val="90000"/>
+              </a:schemeClr>
+            </a:solidFill>
+            <a:ln>
+              <a:noFill/>
+            </a:ln>
+          </p:spPr>
+          <p:style>
+            <a:lnRef idx="2">
+              <a:schemeClr val="accent1">
+                <a:shade val="50000"/>
+              </a:schemeClr>
+            </a:lnRef>
+            <a:fillRef idx="1">
+              <a:schemeClr val="accent1"/>
+            </a:fillRef>
+            <a:effectRef idx="0">
+              <a:schemeClr val="accent1"/>
+            </a:effectRef>
+            <a:fontRef idx="minor">
+              <a:schemeClr val="lt1"/>
+            </a:fontRef>
+          </p:style>
+          <p:txBody>
+            <a:bodyPr rtlCol="0" anchor="ctr"/>
+            <a:lstStyle/>
+            <a:p>
+              <a:pPr algn="ctr"/>
+              <a:endParaRPr lang="ko-KR" altLang="en-US"/>
+            </a:p>
+          </p:txBody>
+        </p:sp>
+        <p:sp>
+          <p:nvSpPr>
+            <p:cNvPr id="18" name="타원 17">
+              <a:extLst>
+                <a:ext uri="{FF2B5EF4-FFF2-40B4-BE49-F238E27FC236}">
+                  <a16:creationId xmlns:a16="http://schemas.microsoft.com/office/drawing/2014/main" id="{8E1D84D6-68B8-41BF-B2D4-934F6E1DA320}"/>
+                </a:ext>
+              </a:extLst>
+            </p:cNvPr>
+            <p:cNvSpPr/>
+            <p:nvPr/>
+          </p:nvSpPr>
+          <p:spPr>
+            <a:xfrm>
+              <a:off x="6926655" y="1005537"/>
+              <a:ext cx="382555" cy="382555"/>
+            </a:xfrm>
+            <a:prstGeom prst="ellipse">
+              <a:avLst/>
+            </a:prstGeom>
+            <a:solidFill>
+              <a:schemeClr val="bg2"/>
+            </a:solidFill>
+            <a:ln>
+              <a:noFill/>
+            </a:ln>
+          </p:spPr>
+          <p:style>
+            <a:lnRef idx="2">
+              <a:schemeClr val="accent1">
+                <a:shade val="50000"/>
+              </a:schemeClr>
+            </a:lnRef>
+            <a:fillRef idx="1">
+              <a:schemeClr val="accent1"/>
+            </a:fillRef>
+            <a:effectRef idx="0">
+              <a:schemeClr val="accent1"/>
+            </a:effectRef>
+            <a:fontRef idx="minor">
+              <a:schemeClr val="lt1"/>
+            </a:fontRef>
+          </p:style>
+          <p:txBody>
+            <a:bodyPr rtlCol="0" anchor="ctr"/>
+            <a:lstStyle/>
+            <a:p>
+              <a:pPr algn="ctr"/>
+              <a:endParaRPr lang="ko-KR" altLang="en-US"/>
+            </a:p>
+          </p:txBody>
+        </p:sp>
+        <p:sp>
+          <p:nvSpPr>
+            <p:cNvPr id="20" name="직사각형 19">
+              <a:extLst>
+                <a:ext uri="{FF2B5EF4-FFF2-40B4-BE49-F238E27FC236}">
+                  <a16:creationId xmlns:a16="http://schemas.microsoft.com/office/drawing/2014/main" id="{B549AB3F-1B5D-4385-89C5-2ED772EF5981}"/>
+                </a:ext>
+              </a:extLst>
+            </p:cNvPr>
+            <p:cNvSpPr/>
+            <p:nvPr/>
+          </p:nvSpPr>
+          <p:spPr>
+            <a:xfrm>
+              <a:off x="3644531" y="1005536"/>
+              <a:ext cx="382555" cy="382555"/>
+            </a:xfrm>
+            <a:prstGeom prst="rect">
+              <a:avLst/>
+            </a:prstGeom>
+            <a:solidFill>
+              <a:schemeClr val="bg2">
+                <a:lumMod val="90000"/>
+              </a:schemeClr>
+            </a:solidFill>
+            <a:ln>
+              <a:noFill/>
+            </a:ln>
+          </p:spPr>
+          <p:style>
+            <a:lnRef idx="2">
+              <a:schemeClr val="accent1">
+                <a:shade val="50000"/>
+              </a:schemeClr>
+            </a:lnRef>
+            <a:fillRef idx="1">
+              <a:schemeClr val="accent1"/>
+            </a:fillRef>
+            <a:effectRef idx="0">
+              <a:schemeClr val="accent1"/>
+            </a:effectRef>
+            <a:fontRef idx="minor">
+              <a:schemeClr val="lt1"/>
+            </a:fontRef>
+          </p:style>
+          <p:txBody>
+            <a:bodyPr rtlCol="0" anchor="ctr"/>
+            <a:lstStyle/>
+            <a:p>
+              <a:pPr algn="ctr"/>
+              <a:endParaRPr lang="ko-KR" altLang="en-US"/>
+            </a:p>
+          </p:txBody>
+        </p:sp>
+      </p:grpSp>
     </p:spTree>
     <p:extLst>
       <p:ext uri="{BB962C8B-B14F-4D97-AF65-F5344CB8AC3E}">
